--- a/presentation/Presentation2.pptx
+++ b/presentation/Presentation2.pptx
@@ -105,6 +105,11 @@
       </a:defRPr>
     </a:lvl9pPr>
   </p:defaultTextStyle>
+  <p:extLst>
+    <p:ext uri="{EFAFB233-063F-42B5-8137-9DF3F51BA10A}">
+      <p15:sldGuideLst xmlns:p15="http://schemas.microsoft.com/office/powerpoint/2012/main"/>
+    </p:ext>
+  </p:extLst>
 </p:presentation>
 </file>
 
@@ -239,7 +244,7 @@
           <a:p>
             <a:fld id="{9F5E1B90-6FB0-43A3-9E31-EFFED82DD5A0}" type="datetimeFigureOut">
               <a:rPr lang="en-US" smtClean="0"/>
-              <a:t>7/14/2019</a:t>
+              <a:t>7/16/2019</a:t>
             </a:fld>
             <a:endParaRPr lang="en-US"/>
           </a:p>
@@ -409,7 +414,7 @@
           <a:p>
             <a:fld id="{9F5E1B90-6FB0-43A3-9E31-EFFED82DD5A0}" type="datetimeFigureOut">
               <a:rPr lang="en-US" smtClean="0"/>
-              <a:t>7/14/2019</a:t>
+              <a:t>7/16/2019</a:t>
             </a:fld>
             <a:endParaRPr lang="en-US"/>
           </a:p>
@@ -589,7 +594,7 @@
           <a:p>
             <a:fld id="{9F5E1B90-6FB0-43A3-9E31-EFFED82DD5A0}" type="datetimeFigureOut">
               <a:rPr lang="en-US" smtClean="0"/>
-              <a:t>7/14/2019</a:t>
+              <a:t>7/16/2019</a:t>
             </a:fld>
             <a:endParaRPr lang="en-US"/>
           </a:p>
@@ -759,7 +764,7 @@
           <a:p>
             <a:fld id="{9F5E1B90-6FB0-43A3-9E31-EFFED82DD5A0}" type="datetimeFigureOut">
               <a:rPr lang="en-US" smtClean="0"/>
-              <a:t>7/14/2019</a:t>
+              <a:t>7/16/2019</a:t>
             </a:fld>
             <a:endParaRPr lang="en-US"/>
           </a:p>
@@ -1003,7 +1008,7 @@
           <a:p>
             <a:fld id="{9F5E1B90-6FB0-43A3-9E31-EFFED82DD5A0}" type="datetimeFigureOut">
               <a:rPr lang="en-US" smtClean="0"/>
-              <a:t>7/14/2019</a:t>
+              <a:t>7/16/2019</a:t>
             </a:fld>
             <a:endParaRPr lang="en-US"/>
           </a:p>
@@ -1235,7 +1240,7 @@
           <a:p>
             <a:fld id="{9F5E1B90-6FB0-43A3-9E31-EFFED82DD5A0}" type="datetimeFigureOut">
               <a:rPr lang="en-US" smtClean="0"/>
-              <a:t>7/14/2019</a:t>
+              <a:t>7/16/2019</a:t>
             </a:fld>
             <a:endParaRPr lang="en-US"/>
           </a:p>
@@ -1602,7 +1607,7 @@
           <a:p>
             <a:fld id="{9F5E1B90-6FB0-43A3-9E31-EFFED82DD5A0}" type="datetimeFigureOut">
               <a:rPr lang="en-US" smtClean="0"/>
-              <a:t>7/14/2019</a:t>
+              <a:t>7/16/2019</a:t>
             </a:fld>
             <a:endParaRPr lang="en-US"/>
           </a:p>
@@ -1720,7 +1725,7 @@
           <a:p>
             <a:fld id="{9F5E1B90-6FB0-43A3-9E31-EFFED82DD5A0}" type="datetimeFigureOut">
               <a:rPr lang="en-US" smtClean="0"/>
-              <a:t>7/14/2019</a:t>
+              <a:t>7/16/2019</a:t>
             </a:fld>
             <a:endParaRPr lang="en-US"/>
           </a:p>
@@ -1815,7 +1820,7 @@
           <a:p>
             <a:fld id="{9F5E1B90-6FB0-43A3-9E31-EFFED82DD5A0}" type="datetimeFigureOut">
               <a:rPr lang="en-US" smtClean="0"/>
-              <a:t>7/14/2019</a:t>
+              <a:t>7/16/2019</a:t>
             </a:fld>
             <a:endParaRPr lang="en-US"/>
           </a:p>
@@ -2092,7 +2097,7 @@
           <a:p>
             <a:fld id="{9F5E1B90-6FB0-43A3-9E31-EFFED82DD5A0}" type="datetimeFigureOut">
               <a:rPr lang="en-US" smtClean="0"/>
-              <a:t>7/14/2019</a:t>
+              <a:t>7/16/2019</a:t>
             </a:fld>
             <a:endParaRPr lang="en-US"/>
           </a:p>
@@ -2349,7 +2354,7 @@
           <a:p>
             <a:fld id="{9F5E1B90-6FB0-43A3-9E31-EFFED82DD5A0}" type="datetimeFigureOut">
               <a:rPr lang="en-US" smtClean="0"/>
-              <a:t>7/14/2019</a:t>
+              <a:t>7/16/2019</a:t>
             </a:fld>
             <a:endParaRPr lang="en-US"/>
           </a:p>
@@ -2562,7 +2567,7 @@
           <a:p>
             <a:fld id="{9F5E1B90-6FB0-43A3-9E31-EFFED82DD5A0}" type="datetimeFigureOut">
               <a:rPr lang="en-US" smtClean="0"/>
-              <a:t>7/14/2019</a:t>
+              <a:t>7/16/2019</a:t>
             </a:fld>
             <a:endParaRPr lang="en-US"/>
           </a:p>
@@ -3052,8 +3057,8 @@
         </p:blipFill>
         <p:spPr>
           <a:xfrm>
-            <a:off x="6133805" y="3853204"/>
-            <a:ext cx="2824515" cy="2890586"/>
+            <a:off x="6735778" y="4505470"/>
+            <a:ext cx="2222542" cy="2274532"/>
           </a:xfrm>
           <a:prstGeom prst="rect">
             <a:avLst/>
@@ -3068,7 +3073,7 @@
         </p:nvSpPr>
         <p:spPr>
           <a:xfrm>
-            <a:off x="5989901" y="318977"/>
+            <a:off x="5989901" y="174127"/>
             <a:ext cx="3112322" cy="1446550"/>
           </a:xfrm>
           <a:prstGeom prst="rect">
@@ -3132,6 +3137,226 @@
           </a:prstGeom>
         </p:spPr>
       </p:pic>
+      <p:sp>
+        <p:nvSpPr>
+          <p:cNvPr id="6" name="TextBox 5"/>
+          <p:cNvSpPr txBox="1"/>
+          <p:nvPr/>
+        </p:nvSpPr>
+        <p:spPr>
+          <a:xfrm>
+            <a:off x="5962741" y="1758474"/>
+            <a:ext cx="3112322" cy="2423740"/>
+          </a:xfrm>
+          <a:prstGeom prst="rect">
+            <a:avLst/>
+          </a:prstGeom>
+          <a:noFill/>
+        </p:spPr>
+        <p:txBody>
+          <a:bodyPr wrap="square" rtlCol="0">
+            <a:spAutoFit/>
+          </a:bodyPr>
+          <a:lstStyle/>
+          <a:p>
+            <a:r>
+              <a:rPr lang="en-US" sz="2400" b="1" dirty="0" smtClean="0">
+                <a:solidFill>
+                  <a:schemeClr val="bg1"/>
+                </a:solidFill>
+                <a:latin typeface="Trebuchet MS" panose="020B0603020202020204" pitchFamily="34" charset="0"/>
+                <a:cs typeface="IrabotiMJ" pitchFamily="2" charset="0"/>
+              </a:rPr>
+              <a:t>Group: </a:t>
+            </a:r>
+            <a:r>
+              <a:rPr lang="en-US" sz="2400" b="1" dirty="0" err="1" smtClean="0">
+                <a:solidFill>
+                  <a:schemeClr val="bg1"/>
+                </a:solidFill>
+                <a:latin typeface="Trebuchet MS" panose="020B0603020202020204" pitchFamily="34" charset="0"/>
+                <a:cs typeface="IrabotiMJ" pitchFamily="2" charset="0"/>
+              </a:rPr>
+              <a:t>Ekattor</a:t>
+            </a:r>
+            <a:r>
+              <a:rPr lang="en-US" sz="2400" b="1" dirty="0" smtClean="0">
+                <a:solidFill>
+                  <a:schemeClr val="bg1"/>
+                </a:solidFill>
+                <a:latin typeface="Trebuchet MS" panose="020B0603020202020204" pitchFamily="34" charset="0"/>
+                <a:cs typeface="IrabotiMJ" pitchFamily="2" charset="0"/>
+              </a:rPr>
+              <a:t>…..</a:t>
+            </a:r>
+          </a:p>
+          <a:p>
+            <a:endParaRPr lang="en-US" sz="1050" b="1" dirty="0" smtClean="0">
+              <a:solidFill>
+                <a:schemeClr val="bg1"/>
+              </a:solidFill>
+              <a:latin typeface="Trebuchet MS" panose="020B0603020202020204" pitchFamily="34" charset="0"/>
+              <a:cs typeface="IrabotiMJ" pitchFamily="2" charset="0"/>
+            </a:endParaRPr>
+          </a:p>
+          <a:p>
+            <a:endParaRPr lang="en-US" b="1" dirty="0" smtClean="0">
+              <a:solidFill>
+                <a:schemeClr val="bg1"/>
+              </a:solidFill>
+              <a:latin typeface="Trebuchet MS" panose="020B0603020202020204" pitchFamily="34" charset="0"/>
+              <a:cs typeface="IrabotiMJ" pitchFamily="2" charset="0"/>
+            </a:endParaRPr>
+          </a:p>
+          <a:p>
+            <a:pPr algn="ctr"/>
+            <a:r>
+              <a:rPr lang="en-US" b="1" u="sng" dirty="0" smtClean="0">
+                <a:solidFill>
+                  <a:schemeClr val="bg1"/>
+                </a:solidFill>
+                <a:latin typeface="Trebuchet MS" panose="020B0603020202020204" pitchFamily="34" charset="0"/>
+                <a:cs typeface="IrabotiMJ" pitchFamily="2" charset="0"/>
+              </a:rPr>
+              <a:t>Members</a:t>
+            </a:r>
+          </a:p>
+          <a:p>
+            <a:pPr marL="457200" indent="-457200">
+              <a:lnSpc>
+                <a:spcPct val="150000"/>
+              </a:lnSpc>
+              <a:buAutoNum type="arabicPeriod"/>
+            </a:pPr>
+            <a:r>
+              <a:rPr lang="en-US" b="1" dirty="0" err="1" smtClean="0">
+                <a:solidFill>
+                  <a:schemeClr val="bg1"/>
+                </a:solidFill>
+                <a:latin typeface="Trebuchet MS" panose="020B0603020202020204" pitchFamily="34" charset="0"/>
+                <a:cs typeface="IrabotiMJ" pitchFamily="2" charset="0"/>
+              </a:rPr>
+              <a:t>Ruman</a:t>
+            </a:r>
+            <a:r>
+              <a:rPr lang="en-US" b="1" dirty="0" smtClean="0">
+                <a:solidFill>
+                  <a:schemeClr val="bg1"/>
+                </a:solidFill>
+                <a:latin typeface="Trebuchet MS" panose="020B0603020202020204" pitchFamily="34" charset="0"/>
+                <a:cs typeface="IrabotiMJ" pitchFamily="2" charset="0"/>
+              </a:rPr>
+              <a:t> Bhai </a:t>
+            </a:r>
+            <a:r>
+              <a:rPr lang="en-US" sz="1400" b="1" dirty="0" smtClean="0">
+                <a:solidFill>
+                  <a:schemeClr val="bg1"/>
+                </a:solidFill>
+                <a:latin typeface="Trebuchet MS" panose="020B0603020202020204" pitchFamily="34" charset="0"/>
+                <a:cs typeface="IrabotiMJ" pitchFamily="2" charset="0"/>
+              </a:rPr>
+              <a:t>*C</a:t>
+            </a:r>
+            <a:endParaRPr lang="en-US" b="1" dirty="0" smtClean="0">
+              <a:solidFill>
+                <a:schemeClr val="bg1"/>
+              </a:solidFill>
+              <a:latin typeface="Trebuchet MS" panose="020B0603020202020204" pitchFamily="34" charset="0"/>
+              <a:cs typeface="IrabotiMJ" pitchFamily="2" charset="0"/>
+            </a:endParaRPr>
+          </a:p>
+          <a:p>
+            <a:pPr marL="457200" indent="-457200">
+              <a:buAutoNum type="arabicPeriod"/>
+            </a:pPr>
+            <a:r>
+              <a:rPr lang="en-US" b="1" dirty="0" err="1" smtClean="0">
+                <a:solidFill>
+                  <a:schemeClr val="bg1"/>
+                </a:solidFill>
+                <a:latin typeface="Trebuchet MS" panose="020B0603020202020204" pitchFamily="34" charset="0"/>
+                <a:cs typeface="IrabotiMJ" pitchFamily="2" charset="0"/>
+              </a:rPr>
+              <a:t>Pranta</a:t>
+            </a:r>
+            <a:r>
+              <a:rPr lang="en-US" b="1" dirty="0" smtClean="0">
+                <a:solidFill>
+                  <a:schemeClr val="bg1"/>
+                </a:solidFill>
+                <a:latin typeface="Trebuchet MS" panose="020B0603020202020204" pitchFamily="34" charset="0"/>
+                <a:cs typeface="IrabotiMJ" pitchFamily="2" charset="0"/>
+              </a:rPr>
+              <a:t> </a:t>
+            </a:r>
+            <a:r>
+              <a:rPr lang="en-US" b="1" dirty="0" err="1" smtClean="0">
+                <a:solidFill>
+                  <a:schemeClr val="bg1"/>
+                </a:solidFill>
+                <a:latin typeface="Trebuchet MS" panose="020B0603020202020204" pitchFamily="34" charset="0"/>
+                <a:cs typeface="IrabotiMJ" pitchFamily="2" charset="0"/>
+              </a:rPr>
+              <a:t>Saha</a:t>
+            </a:r>
+            <a:endParaRPr lang="en-US" b="1" dirty="0" smtClean="0">
+              <a:solidFill>
+                <a:schemeClr val="bg1"/>
+              </a:solidFill>
+              <a:latin typeface="Trebuchet MS" panose="020B0603020202020204" pitchFamily="34" charset="0"/>
+              <a:cs typeface="IrabotiMJ" pitchFamily="2" charset="0"/>
+            </a:endParaRPr>
+          </a:p>
+          <a:p>
+            <a:pPr marL="457200" indent="-457200">
+              <a:buAutoNum type="arabicPeriod"/>
+            </a:pPr>
+            <a:r>
+              <a:rPr lang="en-US" b="1" dirty="0" err="1" smtClean="0">
+                <a:solidFill>
+                  <a:schemeClr val="bg1"/>
+                </a:solidFill>
+                <a:latin typeface="Trebuchet MS" panose="020B0603020202020204" pitchFamily="34" charset="0"/>
+                <a:cs typeface="IrabotiMJ" pitchFamily="2" charset="0"/>
+              </a:rPr>
+              <a:t>Ramjan</a:t>
+            </a:r>
+            <a:r>
+              <a:rPr lang="en-US" b="1" dirty="0" smtClean="0">
+                <a:solidFill>
+                  <a:schemeClr val="bg1"/>
+                </a:solidFill>
+                <a:latin typeface="Trebuchet MS" panose="020B0603020202020204" pitchFamily="34" charset="0"/>
+                <a:cs typeface="IrabotiMJ" pitchFamily="2" charset="0"/>
+              </a:rPr>
+              <a:t> Ali</a:t>
+            </a:r>
+          </a:p>
+          <a:p>
+            <a:pPr marL="457200" indent="-457200">
+              <a:buAutoNum type="arabicPeriod"/>
+            </a:pPr>
+            <a:r>
+              <a:rPr lang="en-US" b="1" dirty="0" smtClean="0">
+                <a:solidFill>
+                  <a:schemeClr val="bg1"/>
+                </a:solidFill>
+                <a:latin typeface="Trebuchet MS" panose="020B0603020202020204" pitchFamily="34" charset="0"/>
+                <a:cs typeface="IrabotiMJ" pitchFamily="2" charset="0"/>
+              </a:rPr>
+              <a:t>…………</a:t>
+            </a:r>
+            <a:endParaRPr lang="en-US" b="1" dirty="0">
+              <a:solidFill>
+                <a:schemeClr val="bg1"/>
+              </a:solidFill>
+              <a:latin typeface="Trebuchet MS" panose="020B0603020202020204" pitchFamily="34" charset="0"/>
+              <a:cs typeface="IrabotiMJ" pitchFamily="2" charset="0"/>
+            </a:endParaRPr>
+          </a:p>
+        </p:txBody>
+      </p:sp>
     </p:spTree>
     <p:extLst>
       <p:ext uri="{BB962C8B-B14F-4D97-AF65-F5344CB8AC3E}">

--- a/presentation/Presentation2.pptx
+++ b/presentation/Presentation2.pptx
@@ -6,7 +6,10 @@
   </p:sldMasterIdLst>
   <p:sldIdLst>
     <p:sldId id="256" r:id="rId2"/>
-    <p:sldId id="257" r:id="rId3"/>
+    <p:sldId id="259" r:id="rId3"/>
+    <p:sldId id="260" r:id="rId4"/>
+    <p:sldId id="258" r:id="rId5"/>
+    <p:sldId id="257" r:id="rId6"/>
   </p:sldIdLst>
   <p:sldSz cx="9144000" cy="6858000" type="screen4x3"/>
   <p:notesSz cx="6858000" cy="9144000"/>
@@ -244,7 +247,7 @@
           <a:p>
             <a:fld id="{9F5E1B90-6FB0-43A3-9E31-EFFED82DD5A0}" type="datetimeFigureOut">
               <a:rPr lang="en-US" smtClean="0"/>
-              <a:t>7/16/2019</a:t>
+              <a:t>7/18/2019</a:t>
             </a:fld>
             <a:endParaRPr lang="en-US"/>
           </a:p>
@@ -414,7 +417,7 @@
           <a:p>
             <a:fld id="{9F5E1B90-6FB0-43A3-9E31-EFFED82DD5A0}" type="datetimeFigureOut">
               <a:rPr lang="en-US" smtClean="0"/>
-              <a:t>7/16/2019</a:t>
+              <a:t>7/18/2019</a:t>
             </a:fld>
             <a:endParaRPr lang="en-US"/>
           </a:p>
@@ -594,7 +597,7 @@
           <a:p>
             <a:fld id="{9F5E1B90-6FB0-43A3-9E31-EFFED82DD5A0}" type="datetimeFigureOut">
               <a:rPr lang="en-US" smtClean="0"/>
-              <a:t>7/16/2019</a:t>
+              <a:t>7/18/2019</a:t>
             </a:fld>
             <a:endParaRPr lang="en-US"/>
           </a:p>
@@ -764,7 +767,7 @@
           <a:p>
             <a:fld id="{9F5E1B90-6FB0-43A3-9E31-EFFED82DD5A0}" type="datetimeFigureOut">
               <a:rPr lang="en-US" smtClean="0"/>
-              <a:t>7/16/2019</a:t>
+              <a:t>7/18/2019</a:t>
             </a:fld>
             <a:endParaRPr lang="en-US"/>
           </a:p>
@@ -1008,7 +1011,7 @@
           <a:p>
             <a:fld id="{9F5E1B90-6FB0-43A3-9E31-EFFED82DD5A0}" type="datetimeFigureOut">
               <a:rPr lang="en-US" smtClean="0"/>
-              <a:t>7/16/2019</a:t>
+              <a:t>7/18/2019</a:t>
             </a:fld>
             <a:endParaRPr lang="en-US"/>
           </a:p>
@@ -1240,7 +1243,7 @@
           <a:p>
             <a:fld id="{9F5E1B90-6FB0-43A3-9E31-EFFED82DD5A0}" type="datetimeFigureOut">
               <a:rPr lang="en-US" smtClean="0"/>
-              <a:t>7/16/2019</a:t>
+              <a:t>7/18/2019</a:t>
             </a:fld>
             <a:endParaRPr lang="en-US"/>
           </a:p>
@@ -1607,7 +1610,7 @@
           <a:p>
             <a:fld id="{9F5E1B90-6FB0-43A3-9E31-EFFED82DD5A0}" type="datetimeFigureOut">
               <a:rPr lang="en-US" smtClean="0"/>
-              <a:t>7/16/2019</a:t>
+              <a:t>7/18/2019</a:t>
             </a:fld>
             <a:endParaRPr lang="en-US"/>
           </a:p>
@@ -1725,7 +1728,7 @@
           <a:p>
             <a:fld id="{9F5E1B90-6FB0-43A3-9E31-EFFED82DD5A0}" type="datetimeFigureOut">
               <a:rPr lang="en-US" smtClean="0"/>
-              <a:t>7/16/2019</a:t>
+              <a:t>7/18/2019</a:t>
             </a:fld>
             <a:endParaRPr lang="en-US"/>
           </a:p>
@@ -1820,7 +1823,7 @@
           <a:p>
             <a:fld id="{9F5E1B90-6FB0-43A3-9E31-EFFED82DD5A0}" type="datetimeFigureOut">
               <a:rPr lang="en-US" smtClean="0"/>
-              <a:t>7/16/2019</a:t>
+              <a:t>7/18/2019</a:t>
             </a:fld>
             <a:endParaRPr lang="en-US"/>
           </a:p>
@@ -2097,7 +2100,7 @@
           <a:p>
             <a:fld id="{9F5E1B90-6FB0-43A3-9E31-EFFED82DD5A0}" type="datetimeFigureOut">
               <a:rPr lang="en-US" smtClean="0"/>
-              <a:t>7/16/2019</a:t>
+              <a:t>7/18/2019</a:t>
             </a:fld>
             <a:endParaRPr lang="en-US"/>
           </a:p>
@@ -2354,7 +2357,7 @@
           <a:p>
             <a:fld id="{9F5E1B90-6FB0-43A3-9E31-EFFED82DD5A0}" type="datetimeFigureOut">
               <a:rPr lang="en-US" smtClean="0"/>
-              <a:t>7/16/2019</a:t>
+              <a:t>7/18/2019</a:t>
             </a:fld>
             <a:endParaRPr lang="en-US"/>
           </a:p>
@@ -2419,9 +2422,27 @@
 <p:sldMaster xmlns:a="http://schemas.openxmlformats.org/drawingml/2006/main" xmlns:r="http://schemas.openxmlformats.org/officeDocument/2006/relationships" xmlns:p="http://schemas.openxmlformats.org/presentationml/2006/main">
   <p:cSld>
     <p:bg>
-      <p:bgRef idx="1001">
-        <a:schemeClr val="bg1"/>
-      </p:bgRef>
+      <p:bgPr>
+        <a:gradFill flip="none" rotWithShape="1">
+          <a:gsLst>
+            <a:gs pos="0">
+              <a:schemeClr val="bg1">
+                <a:lumMod val="95000"/>
+                <a:alpha val="59000"/>
+              </a:schemeClr>
+            </a:gs>
+            <a:gs pos="100000">
+              <a:schemeClr val="bg1">
+                <a:lumMod val="65000"/>
+                <a:alpha val="70000"/>
+              </a:schemeClr>
+            </a:gs>
+          </a:gsLst>
+          <a:lin ang="8100000" scaled="1"/>
+          <a:tileRect/>
+        </a:gradFill>
+        <a:effectLst/>
+      </p:bgPr>
     </p:bg>
     <p:spTree>
       <p:nvGrpSpPr>
@@ -2567,7 +2588,7 @@
           <a:p>
             <a:fld id="{9F5E1B90-6FB0-43A3-9E31-EFFED82DD5A0}" type="datetimeFigureOut">
               <a:rPr lang="en-US" smtClean="0"/>
-              <a:t>7/16/2019</a:t>
+              <a:t>7/18/2019</a:t>
             </a:fld>
             <a:endParaRPr lang="en-US"/>
           </a:p>
@@ -2958,16 +2979,6 @@
 <file path=ppt/slides/slide1.xml><?xml version="1.0" encoding="utf-8"?>
 <p:sld xmlns:a="http://schemas.openxmlformats.org/drawingml/2006/main" xmlns:r="http://schemas.openxmlformats.org/officeDocument/2006/relationships" xmlns:p="http://schemas.openxmlformats.org/presentationml/2006/main">
   <p:cSld>
-    <p:bg>
-      <p:bgPr>
-        <a:solidFill>
-          <a:schemeClr val="bg1">
-            <a:lumMod val="95000"/>
-          </a:schemeClr>
-        </a:solidFill>
-        <a:effectLst/>
-      </p:bgPr>
-    </p:bg>
     <p:spTree>
       <p:nvGrpSpPr>
         <p:cNvPr id="1" name=""/>
@@ -3170,16 +3181,6 @@
               <a:t>Group: </a:t>
             </a:r>
             <a:r>
-              <a:rPr lang="en-US" sz="2400" b="1" dirty="0" err="1" smtClean="0">
-                <a:solidFill>
-                  <a:schemeClr val="bg1"/>
-                </a:solidFill>
-                <a:latin typeface="Trebuchet MS" panose="020B0603020202020204" pitchFamily="34" charset="0"/>
-                <a:cs typeface="IrabotiMJ" pitchFamily="2" charset="0"/>
-              </a:rPr>
-              <a:t>Ekattor</a:t>
-            </a:r>
-            <a:r>
               <a:rPr lang="en-US" sz="2400" b="1" dirty="0" smtClean="0">
                 <a:solidFill>
                   <a:schemeClr val="bg1"/>
@@ -3187,8 +3188,15 @@
                 <a:latin typeface="Trebuchet MS" panose="020B0603020202020204" pitchFamily="34" charset="0"/>
                 <a:cs typeface="IrabotiMJ" pitchFamily="2" charset="0"/>
               </a:rPr>
-              <a:t>…..</a:t>
-            </a:r>
+              <a:t>Name….</a:t>
+            </a:r>
+            <a:endParaRPr lang="en-US" sz="2400" b="1" dirty="0" smtClean="0">
+              <a:solidFill>
+                <a:schemeClr val="bg1"/>
+              </a:solidFill>
+              <a:latin typeface="Trebuchet MS" panose="020B0603020202020204" pitchFamily="34" charset="0"/>
+              <a:cs typeface="IrabotiMJ" pitchFamily="2" charset="0"/>
+            </a:endParaRPr>
           </a:p>
           <a:p>
             <a:endParaRPr lang="en-US" sz="1050" b="1" dirty="0" smtClean="0">
@@ -3236,7 +3244,7 @@
                 <a:latin typeface="Trebuchet MS" panose="020B0603020202020204" pitchFamily="34" charset="0"/>
                 <a:cs typeface="IrabotiMJ" pitchFamily="2" charset="0"/>
               </a:rPr>
-              <a:t>Ruman</a:t>
+              <a:t>Rumon</a:t>
             </a:r>
             <a:r>
               <a:rPr lang="en-US" b="1" dirty="0" smtClean="0">
@@ -3246,7 +3254,7 @@
                 <a:latin typeface="Trebuchet MS" panose="020B0603020202020204" pitchFamily="34" charset="0"/>
                 <a:cs typeface="IrabotiMJ" pitchFamily="2" charset="0"/>
               </a:rPr>
-              <a:t> Bhai </a:t>
+              <a:t> Chowdhury </a:t>
             </a:r>
             <a:r>
               <a:rPr lang="en-US" sz="1400" b="1" dirty="0" smtClean="0">
@@ -3380,10 +3388,2310 @@
 <file path=ppt/slides/slide2.xml><?xml version="1.0" encoding="utf-8"?>
 <p:sld xmlns:a="http://schemas.openxmlformats.org/drawingml/2006/main" xmlns:r="http://schemas.openxmlformats.org/officeDocument/2006/relationships" xmlns:p="http://schemas.openxmlformats.org/presentationml/2006/main">
   <p:cSld>
+    <p:spTree>
+      <p:nvGrpSpPr>
+        <p:cNvPr id="1" name=""/>
+        <p:cNvGrpSpPr/>
+        <p:nvPr/>
+      </p:nvGrpSpPr>
+      <p:grpSpPr>
+        <a:xfrm>
+          <a:off x="0" y="0"/>
+          <a:ext cx="0" cy="0"/>
+          <a:chOff x="0" y="0"/>
+          <a:chExt cx="0" cy="0"/>
+        </a:xfrm>
+      </p:grpSpPr>
+      <p:sp>
+        <p:nvSpPr>
+          <p:cNvPr id="3" name="Content Placeholder 2"/>
+          <p:cNvSpPr>
+            <a:spLocks noGrp="1"/>
+          </p:cNvSpPr>
+          <p:nvPr>
+            <p:ph idx="1"/>
+          </p:nvPr>
+        </p:nvSpPr>
+        <p:spPr>
+          <a:xfrm>
+            <a:off x="628649" y="1985113"/>
+            <a:ext cx="8004988" cy="3012189"/>
+          </a:xfrm>
+        </p:spPr>
+        <p:txBody>
+          <a:bodyPr>
+            <a:normAutofit/>
+          </a:bodyPr>
+          <a:lstStyle/>
+          <a:p>
+            <a:pPr marL="0" indent="0">
+              <a:buNone/>
+            </a:pPr>
+            <a:r>
+              <a:rPr lang="en-US" sz="4800" dirty="0" smtClean="0"/>
+              <a:t>This is a non profit organization website. Main motive of this organization is to work for human rights.</a:t>
+            </a:r>
+          </a:p>
+        </p:txBody>
+      </p:sp>
+      <p:sp>
+        <p:nvSpPr>
+          <p:cNvPr id="4" name="Rectangle 3"/>
+          <p:cNvSpPr/>
+          <p:nvPr/>
+        </p:nvSpPr>
+        <p:spPr>
+          <a:xfrm>
+            <a:off x="1520982" y="443620"/>
+            <a:ext cx="7623018" cy="1247069"/>
+          </a:xfrm>
+          <a:prstGeom prst="rect">
+            <a:avLst/>
+          </a:prstGeom>
+          <a:ln>
+            <a:noFill/>
+          </a:ln>
+        </p:spPr>
+        <p:style>
+          <a:lnRef idx="2">
+            <a:schemeClr val="dk1">
+              <a:shade val="50000"/>
+            </a:schemeClr>
+          </a:lnRef>
+          <a:fillRef idx="1">
+            <a:schemeClr val="dk1"/>
+          </a:fillRef>
+          <a:effectRef idx="0">
+            <a:schemeClr val="dk1"/>
+          </a:effectRef>
+          <a:fontRef idx="minor">
+            <a:schemeClr val="lt1"/>
+          </a:fontRef>
+        </p:style>
+        <p:txBody>
+          <a:bodyPr rtlCol="0" anchor="ctr"/>
+          <a:lstStyle/>
+          <a:p>
+            <a:pPr algn="ctr"/>
+            <a:endParaRPr lang="en-US"/>
+          </a:p>
+        </p:txBody>
+      </p:sp>
+      <p:sp>
+        <p:nvSpPr>
+          <p:cNvPr id="5" name="Title 1"/>
+          <p:cNvSpPr txBox="1">
+            <a:spLocks/>
+          </p:cNvSpPr>
+          <p:nvPr/>
+        </p:nvSpPr>
+        <p:spPr>
+          <a:xfrm>
+            <a:off x="1738264" y="365126"/>
+            <a:ext cx="6777085" cy="1325563"/>
+          </a:xfrm>
+          <a:prstGeom prst="rect">
+            <a:avLst/>
+          </a:prstGeom>
+        </p:spPr>
+        <p:txBody>
+          <a:bodyPr vert="horz" lIns="91440" tIns="45720" rIns="91440" bIns="45720" rtlCol="0" anchor="ctr">
+            <a:normAutofit/>
+          </a:bodyPr>
+          <a:lstStyle>
+            <a:lvl1pPr algn="l" defTabSz="914400" rtl="0" eaLnBrk="1" latinLnBrk="0" hangingPunct="1">
+              <a:lnSpc>
+                <a:spcPct val="90000"/>
+              </a:lnSpc>
+              <a:spcBef>
+                <a:spcPct val="0"/>
+              </a:spcBef>
+              <a:buNone/>
+              <a:defRPr sz="4400" kern="1200">
+                <a:solidFill>
+                  <a:schemeClr val="tx1"/>
+                </a:solidFill>
+                <a:latin typeface="+mj-lt"/>
+                <a:ea typeface="+mj-ea"/>
+                <a:cs typeface="+mj-cs"/>
+              </a:defRPr>
+            </a:lvl1pPr>
+          </a:lstStyle>
+          <a:p>
+            <a:r>
+              <a:rPr lang="en-US" sz="4800" dirty="0" smtClean="0">
+                <a:solidFill>
+                  <a:schemeClr val="bg1"/>
+                </a:solidFill>
+                <a:latin typeface="Trebuchet MS" panose="020B0603020202020204" pitchFamily="34" charset="0"/>
+              </a:rPr>
+              <a:t>Details of Project</a:t>
+            </a:r>
+            <a:endParaRPr lang="en-US" sz="4800" dirty="0">
+              <a:solidFill>
+                <a:schemeClr val="bg1"/>
+              </a:solidFill>
+              <a:latin typeface="Trebuchet MS" panose="020B0603020202020204" pitchFamily="34" charset="0"/>
+            </a:endParaRPr>
+          </a:p>
+        </p:txBody>
+      </p:sp>
+      <p:sp>
+        <p:nvSpPr>
+          <p:cNvPr id="6" name="Rectangle 5"/>
+          <p:cNvSpPr/>
+          <p:nvPr/>
+        </p:nvSpPr>
+        <p:spPr>
+          <a:xfrm>
+            <a:off x="-12341" y="443620"/>
+            <a:ext cx="1442789" cy="1247069"/>
+          </a:xfrm>
+          <a:prstGeom prst="rect">
+            <a:avLst/>
+          </a:prstGeom>
+          <a:solidFill>
+            <a:schemeClr val="bg1"/>
+          </a:solidFill>
+          <a:ln>
+            <a:noFill/>
+          </a:ln>
+        </p:spPr>
+        <p:style>
+          <a:lnRef idx="2">
+            <a:schemeClr val="accent1">
+              <a:shade val="50000"/>
+            </a:schemeClr>
+          </a:lnRef>
+          <a:fillRef idx="1">
+            <a:schemeClr val="accent1"/>
+          </a:fillRef>
+          <a:effectRef idx="0">
+            <a:schemeClr val="accent1"/>
+          </a:effectRef>
+          <a:fontRef idx="minor">
+            <a:schemeClr val="lt1"/>
+          </a:fontRef>
+        </p:style>
+        <p:txBody>
+          <a:bodyPr rtlCol="0" anchor="ctr"/>
+          <a:lstStyle/>
+          <a:p>
+            <a:pPr algn="ctr"/>
+            <a:endParaRPr lang="en-US"/>
+          </a:p>
+        </p:txBody>
+      </p:sp>
+      <p:pic>
+        <p:nvPicPr>
+          <p:cNvPr id="9" name="Picture 8"/>
+          <p:cNvPicPr>
+            <a:picLocks noChangeAspect="1"/>
+          </p:cNvPicPr>
+          <p:nvPr/>
+        </p:nvPicPr>
+        <p:blipFill>
+          <a:blip r:embed="rId2" cstate="print">
+            <a:biLevel thresh="75000"/>
+            <a:extLst>
+              <a:ext uri="{28A0092B-C50C-407E-A947-70E740481C1C}">
+                <a14:useLocalDpi xmlns:a14="http://schemas.microsoft.com/office/drawing/2010/main" val="0"/>
+              </a:ext>
+            </a:extLst>
+          </a:blip>
+          <a:stretch>
+            <a:fillRect/>
+          </a:stretch>
+        </p:blipFill>
+        <p:spPr>
+          <a:xfrm>
+            <a:off x="168085" y="503005"/>
+            <a:ext cx="1131126" cy="1131126"/>
+          </a:xfrm>
+          <a:prstGeom prst="rect">
+            <a:avLst/>
+          </a:prstGeom>
+        </p:spPr>
+      </p:pic>
+      <p:pic>
+        <p:nvPicPr>
+          <p:cNvPr id="11" name="Picture 10"/>
+          <p:cNvPicPr>
+            <a:picLocks noChangeAspect="1"/>
+          </p:cNvPicPr>
+          <p:nvPr/>
+        </p:nvPicPr>
+        <p:blipFill>
+          <a:blip r:embed="rId3">
+            <a:extLst>
+              <a:ext uri="{28A0092B-C50C-407E-A947-70E740481C1C}">
+                <a14:useLocalDpi xmlns:a14="http://schemas.microsoft.com/office/drawing/2010/main" val="0"/>
+              </a:ext>
+            </a:extLst>
+          </a:blip>
+          <a:stretch>
+            <a:fillRect/>
+          </a:stretch>
+        </p:blipFill>
+        <p:spPr>
+          <a:xfrm>
+            <a:off x="3988968" y="3769920"/>
+            <a:ext cx="5155032" cy="3088080"/>
+          </a:xfrm>
+          <a:prstGeom prst="rect">
+            <a:avLst/>
+          </a:prstGeom>
+        </p:spPr>
+      </p:pic>
+      <p:pic>
+        <p:nvPicPr>
+          <p:cNvPr id="14" name="Picture 13"/>
+          <p:cNvPicPr>
+            <a:picLocks noChangeAspect="1"/>
+          </p:cNvPicPr>
+          <p:nvPr/>
+        </p:nvPicPr>
+        <p:blipFill>
+          <a:blip r:embed="rId4" cstate="print">
+            <a:extLst>
+              <a:ext uri="{28A0092B-C50C-407E-A947-70E740481C1C}">
+                <a14:useLocalDpi xmlns:a14="http://schemas.microsoft.com/office/drawing/2010/main" val="0"/>
+              </a:ext>
+            </a:extLst>
+          </a:blip>
+          <a:stretch>
+            <a:fillRect/>
+          </a:stretch>
+        </p:blipFill>
+        <p:spPr>
+          <a:xfrm>
+            <a:off x="250336" y="5005014"/>
+            <a:ext cx="3593876" cy="1803865"/>
+          </a:xfrm>
+          <a:prstGeom prst="rect">
+            <a:avLst/>
+          </a:prstGeom>
+        </p:spPr>
+      </p:pic>
+    </p:spTree>
+    <p:extLst>
+      <p:ext uri="{BB962C8B-B14F-4D97-AF65-F5344CB8AC3E}">
+        <p14:creationId xmlns:p14="http://schemas.microsoft.com/office/powerpoint/2010/main" val="3301880458"/>
+      </p:ext>
+    </p:extLst>
+  </p:cSld>
+  <p:clrMapOvr>
+    <a:masterClrMapping/>
+  </p:clrMapOvr>
+  <p:timing>
+    <p:tnLst>
+      <p:par>
+        <p:cTn id="1" dur="indefinite" restart="never" nodeType="tmRoot"/>
+      </p:par>
+    </p:tnLst>
+  </p:timing>
+</p:sld>
+</file>
+
+<file path=ppt/slides/slide3.xml><?xml version="1.0" encoding="utf-8"?>
+<p:sld xmlns:a="http://schemas.openxmlformats.org/drawingml/2006/main" xmlns:r="http://schemas.openxmlformats.org/officeDocument/2006/relationships" xmlns:p="http://schemas.openxmlformats.org/presentationml/2006/main">
+  <p:cSld>
+    <p:spTree>
+      <p:nvGrpSpPr>
+        <p:cNvPr id="1" name=""/>
+        <p:cNvGrpSpPr/>
+        <p:nvPr/>
+      </p:nvGrpSpPr>
+      <p:grpSpPr>
+        <a:xfrm>
+          <a:off x="0" y="0"/>
+          <a:ext cx="0" cy="0"/>
+          <a:chOff x="0" y="0"/>
+          <a:chExt cx="0" cy="0"/>
+        </a:xfrm>
+      </p:grpSpPr>
+      <p:sp>
+        <p:nvSpPr>
+          <p:cNvPr id="3" name="Content Placeholder 2"/>
+          <p:cNvSpPr>
+            <a:spLocks noGrp="1"/>
+          </p:cNvSpPr>
+          <p:nvPr>
+            <p:ph idx="1"/>
+          </p:nvPr>
+        </p:nvSpPr>
+        <p:spPr>
+          <a:xfrm>
+            <a:off x="543587" y="1846891"/>
+            <a:ext cx="8196373" cy="4649602"/>
+          </a:xfrm>
+        </p:spPr>
+        <p:txBody>
+          <a:bodyPr>
+            <a:normAutofit/>
+          </a:bodyPr>
+          <a:lstStyle/>
+          <a:p>
+            <a:pPr marL="0" indent="0">
+              <a:buNone/>
+            </a:pPr>
+            <a:r>
+              <a:rPr lang="en-US" sz="4400" b="1" dirty="0">
+                <a:solidFill>
+                  <a:srgbClr val="C00000"/>
+                </a:solidFill>
+              </a:rPr>
+              <a:t>We want to</a:t>
+            </a:r>
+            <a:r>
+              <a:rPr lang="en-US" sz="4000" b="1" dirty="0" smtClean="0">
+                <a:solidFill>
+                  <a:srgbClr val="C00000"/>
+                </a:solidFill>
+              </a:rPr>
+              <a:t> …</a:t>
+            </a:r>
+          </a:p>
+          <a:p>
+            <a:pPr marL="0" indent="0">
+              <a:buNone/>
+            </a:pPr>
+            <a:endParaRPr lang="en-US" sz="600" dirty="0" smtClean="0"/>
+          </a:p>
+          <a:p>
+            <a:pPr lvl="1">
+              <a:buFont typeface="Wingdings" panose="05000000000000000000" pitchFamily="2" charset="2"/>
+              <a:buChar char="q"/>
+            </a:pPr>
+            <a:r>
+              <a:rPr lang="en-US" sz="3600" dirty="0" smtClean="0"/>
+              <a:t> Teach </a:t>
+            </a:r>
+            <a:r>
+              <a:rPr lang="en-US" sz="3600" dirty="0"/>
+              <a:t>people about their rights</a:t>
+            </a:r>
+          </a:p>
+          <a:p>
+            <a:pPr lvl="1">
+              <a:buFont typeface="Wingdings" panose="05000000000000000000" pitchFamily="2" charset="2"/>
+              <a:buChar char="q"/>
+            </a:pPr>
+            <a:r>
+              <a:rPr lang="en-US" sz="3600" dirty="0" smtClean="0"/>
+              <a:t> Teach </a:t>
+            </a:r>
+            <a:r>
+              <a:rPr lang="en-US" sz="3600" dirty="0"/>
+              <a:t>people to work for ensuring </a:t>
+            </a:r>
+            <a:r>
+              <a:rPr lang="en-US" sz="3600" dirty="0" smtClean="0"/>
+              <a:t>	 others </a:t>
+            </a:r>
+            <a:r>
+              <a:rPr lang="en-US" sz="3600" dirty="0"/>
+              <a:t>rights</a:t>
+            </a:r>
+          </a:p>
+          <a:p>
+            <a:pPr lvl="1">
+              <a:buFont typeface="Wingdings" panose="05000000000000000000" pitchFamily="2" charset="2"/>
+              <a:buChar char="q"/>
+            </a:pPr>
+            <a:r>
+              <a:rPr lang="en-US" sz="3600" dirty="0" smtClean="0"/>
+              <a:t> Help people for building a better 		 civilization</a:t>
+            </a:r>
+          </a:p>
+          <a:p>
+            <a:pPr lvl="1">
+              <a:buFont typeface="Wingdings" panose="05000000000000000000" pitchFamily="2" charset="2"/>
+              <a:buChar char="q"/>
+            </a:pPr>
+            <a:r>
+              <a:rPr lang="en-US" sz="3600" dirty="0" smtClean="0"/>
+              <a:t> Ensure a sound and peaceful life for 	 everyone</a:t>
+            </a:r>
+            <a:endParaRPr lang="en-US" sz="3600" dirty="0"/>
+          </a:p>
+          <a:p>
+            <a:pPr marL="0" indent="0">
+              <a:buNone/>
+            </a:pPr>
+            <a:endParaRPr lang="en-US" sz="4000" dirty="0"/>
+          </a:p>
+        </p:txBody>
+      </p:sp>
+      <p:sp>
+        <p:nvSpPr>
+          <p:cNvPr id="4" name="Rectangle 3"/>
+          <p:cNvSpPr/>
+          <p:nvPr/>
+        </p:nvSpPr>
+        <p:spPr>
+          <a:xfrm>
+            <a:off x="1520982" y="443620"/>
+            <a:ext cx="7623018" cy="1247069"/>
+          </a:xfrm>
+          <a:prstGeom prst="rect">
+            <a:avLst/>
+          </a:prstGeom>
+          <a:ln>
+            <a:noFill/>
+          </a:ln>
+        </p:spPr>
+        <p:style>
+          <a:lnRef idx="2">
+            <a:schemeClr val="dk1">
+              <a:shade val="50000"/>
+            </a:schemeClr>
+          </a:lnRef>
+          <a:fillRef idx="1">
+            <a:schemeClr val="dk1"/>
+          </a:fillRef>
+          <a:effectRef idx="0">
+            <a:schemeClr val="dk1"/>
+          </a:effectRef>
+          <a:fontRef idx="minor">
+            <a:schemeClr val="lt1"/>
+          </a:fontRef>
+        </p:style>
+        <p:txBody>
+          <a:bodyPr rtlCol="0" anchor="ctr"/>
+          <a:lstStyle/>
+          <a:p>
+            <a:pPr algn="ctr"/>
+            <a:endParaRPr lang="en-US"/>
+          </a:p>
+        </p:txBody>
+      </p:sp>
+      <p:sp>
+        <p:nvSpPr>
+          <p:cNvPr id="5" name="Title 1"/>
+          <p:cNvSpPr txBox="1">
+            <a:spLocks/>
+          </p:cNvSpPr>
+          <p:nvPr/>
+        </p:nvSpPr>
+        <p:spPr>
+          <a:xfrm>
+            <a:off x="1738264" y="365126"/>
+            <a:ext cx="6777085" cy="1325563"/>
+          </a:xfrm>
+          <a:prstGeom prst="rect">
+            <a:avLst/>
+          </a:prstGeom>
+        </p:spPr>
+        <p:txBody>
+          <a:bodyPr vert="horz" lIns="91440" tIns="45720" rIns="91440" bIns="45720" rtlCol="0" anchor="ctr">
+            <a:normAutofit/>
+          </a:bodyPr>
+          <a:lstStyle>
+            <a:lvl1pPr algn="l" defTabSz="914400" rtl="0" eaLnBrk="1" latinLnBrk="0" hangingPunct="1">
+              <a:lnSpc>
+                <a:spcPct val="90000"/>
+              </a:lnSpc>
+              <a:spcBef>
+                <a:spcPct val="0"/>
+              </a:spcBef>
+              <a:buNone/>
+              <a:defRPr sz="4400" kern="1200">
+                <a:solidFill>
+                  <a:schemeClr val="tx1"/>
+                </a:solidFill>
+                <a:latin typeface="+mj-lt"/>
+                <a:ea typeface="+mj-ea"/>
+                <a:cs typeface="+mj-cs"/>
+              </a:defRPr>
+            </a:lvl1pPr>
+          </a:lstStyle>
+          <a:p>
+            <a:r>
+              <a:rPr lang="en-US" sz="4800" dirty="0" smtClean="0">
+                <a:solidFill>
+                  <a:schemeClr val="bg1"/>
+                </a:solidFill>
+                <a:latin typeface="Trebuchet MS" panose="020B0603020202020204" pitchFamily="34" charset="0"/>
+              </a:rPr>
+              <a:t>Motives of the Project</a:t>
+            </a:r>
+            <a:endParaRPr lang="en-US" sz="4800" dirty="0">
+              <a:solidFill>
+                <a:schemeClr val="bg1"/>
+              </a:solidFill>
+              <a:latin typeface="Trebuchet MS" panose="020B0603020202020204" pitchFamily="34" charset="0"/>
+            </a:endParaRPr>
+          </a:p>
+        </p:txBody>
+      </p:sp>
+      <p:sp>
+        <p:nvSpPr>
+          <p:cNvPr id="6" name="Rectangle 5"/>
+          <p:cNvSpPr/>
+          <p:nvPr/>
+        </p:nvSpPr>
+        <p:spPr>
+          <a:xfrm>
+            <a:off x="-12341" y="443620"/>
+            <a:ext cx="1442789" cy="1247069"/>
+          </a:xfrm>
+          <a:prstGeom prst="rect">
+            <a:avLst/>
+          </a:prstGeom>
+          <a:solidFill>
+            <a:schemeClr val="bg1"/>
+          </a:solidFill>
+          <a:ln>
+            <a:noFill/>
+          </a:ln>
+        </p:spPr>
+        <p:style>
+          <a:lnRef idx="2">
+            <a:schemeClr val="accent1">
+              <a:shade val="50000"/>
+            </a:schemeClr>
+          </a:lnRef>
+          <a:fillRef idx="1">
+            <a:schemeClr val="accent1"/>
+          </a:fillRef>
+          <a:effectRef idx="0">
+            <a:schemeClr val="accent1"/>
+          </a:effectRef>
+          <a:fontRef idx="minor">
+            <a:schemeClr val="lt1"/>
+          </a:fontRef>
+        </p:style>
+        <p:txBody>
+          <a:bodyPr rtlCol="0" anchor="ctr"/>
+          <a:lstStyle/>
+          <a:p>
+            <a:pPr algn="ctr"/>
+            <a:endParaRPr lang="en-US"/>
+          </a:p>
+        </p:txBody>
+      </p:sp>
+      <p:pic>
+        <p:nvPicPr>
+          <p:cNvPr id="8" name="Picture 7"/>
+          <p:cNvPicPr>
+            <a:picLocks noChangeAspect="1"/>
+          </p:cNvPicPr>
+          <p:nvPr/>
+        </p:nvPicPr>
+        <p:blipFill>
+          <a:blip r:embed="rId2" cstate="print">
+            <a:extLst>
+              <a:ext uri="{28A0092B-C50C-407E-A947-70E740481C1C}">
+                <a14:useLocalDpi xmlns:a14="http://schemas.microsoft.com/office/drawing/2010/main" val="0"/>
+              </a:ext>
+            </a:extLst>
+          </a:blip>
+          <a:stretch>
+            <a:fillRect/>
+          </a:stretch>
+        </p:blipFill>
+        <p:spPr>
+          <a:xfrm>
+            <a:off x="181796" y="612332"/>
+            <a:ext cx="1061334" cy="1061334"/>
+          </a:xfrm>
+          <a:prstGeom prst="rect">
+            <a:avLst/>
+          </a:prstGeom>
+        </p:spPr>
+      </p:pic>
+    </p:spTree>
+    <p:extLst>
+      <p:ext uri="{BB962C8B-B14F-4D97-AF65-F5344CB8AC3E}">
+        <p14:creationId xmlns:p14="http://schemas.microsoft.com/office/powerpoint/2010/main" val="1379095437"/>
+      </p:ext>
+    </p:extLst>
+  </p:cSld>
+  <p:clrMapOvr>
+    <a:masterClrMapping/>
+  </p:clrMapOvr>
+  <p:timing>
+    <p:tnLst>
+      <p:par>
+        <p:cTn id="1" dur="indefinite" restart="never" nodeType="tmRoot"/>
+      </p:par>
+    </p:tnLst>
+  </p:timing>
+</p:sld>
+</file>
+
+<file path=ppt/slides/slide4.xml><?xml version="1.0" encoding="utf-8"?>
+<p:sld xmlns:a="http://schemas.openxmlformats.org/drawingml/2006/main" xmlns:r="http://schemas.openxmlformats.org/officeDocument/2006/relationships" xmlns:p="http://schemas.openxmlformats.org/presentationml/2006/main">
+  <p:cSld>
+    <p:spTree>
+      <p:nvGrpSpPr>
+        <p:cNvPr id="1" name=""/>
+        <p:cNvGrpSpPr/>
+        <p:nvPr/>
+      </p:nvGrpSpPr>
+      <p:grpSpPr>
+        <a:xfrm>
+          <a:off x="0" y="0"/>
+          <a:ext cx="0" cy="0"/>
+          <a:chOff x="0" y="0"/>
+          <a:chExt cx="0" cy="0"/>
+        </a:xfrm>
+      </p:grpSpPr>
+      <p:sp>
+        <p:nvSpPr>
+          <p:cNvPr id="4" name="Rectangle 3"/>
+          <p:cNvSpPr/>
+          <p:nvPr/>
+        </p:nvSpPr>
+        <p:spPr>
+          <a:xfrm>
+            <a:off x="1520982" y="443620"/>
+            <a:ext cx="7623018" cy="1247069"/>
+          </a:xfrm>
+          <a:prstGeom prst="rect">
+            <a:avLst/>
+          </a:prstGeom>
+          <a:ln>
+            <a:noFill/>
+          </a:ln>
+        </p:spPr>
+        <p:style>
+          <a:lnRef idx="2">
+            <a:schemeClr val="dk1">
+              <a:shade val="50000"/>
+            </a:schemeClr>
+          </a:lnRef>
+          <a:fillRef idx="1">
+            <a:schemeClr val="dk1"/>
+          </a:fillRef>
+          <a:effectRef idx="0">
+            <a:schemeClr val="dk1"/>
+          </a:effectRef>
+          <a:fontRef idx="minor">
+            <a:schemeClr val="lt1"/>
+          </a:fontRef>
+        </p:style>
+        <p:txBody>
+          <a:bodyPr rtlCol="0" anchor="ctr"/>
+          <a:lstStyle/>
+          <a:p>
+            <a:pPr algn="ctr"/>
+            <a:endParaRPr lang="en-US"/>
+          </a:p>
+        </p:txBody>
+      </p:sp>
+      <p:sp>
+        <p:nvSpPr>
+          <p:cNvPr id="2" name="Title 1"/>
+          <p:cNvSpPr>
+            <a:spLocks noGrp="1"/>
+          </p:cNvSpPr>
+          <p:nvPr>
+            <p:ph type="title"/>
+          </p:nvPr>
+        </p:nvSpPr>
+        <p:spPr>
+          <a:xfrm>
+            <a:off x="1738264" y="365126"/>
+            <a:ext cx="6777085" cy="1325563"/>
+          </a:xfrm>
+        </p:spPr>
+        <p:txBody>
+          <a:bodyPr>
+            <a:normAutofit/>
+          </a:bodyPr>
+          <a:lstStyle/>
+          <a:p>
+            <a:r>
+              <a:rPr lang="en-US" sz="4800" dirty="0" smtClean="0">
+                <a:solidFill>
+                  <a:schemeClr val="bg1"/>
+                </a:solidFill>
+                <a:latin typeface="Trebuchet MS" panose="020B0603020202020204" pitchFamily="34" charset="0"/>
+              </a:rPr>
+              <a:t>Technology Used</a:t>
+            </a:r>
+            <a:endParaRPr lang="en-US" sz="4800" dirty="0">
+              <a:solidFill>
+                <a:schemeClr val="bg1"/>
+              </a:solidFill>
+              <a:latin typeface="Trebuchet MS" panose="020B0603020202020204" pitchFamily="34" charset="0"/>
+            </a:endParaRPr>
+          </a:p>
+        </p:txBody>
+      </p:sp>
+      <p:sp>
+        <p:nvSpPr>
+          <p:cNvPr id="5" name="Rectangle 4"/>
+          <p:cNvSpPr/>
+          <p:nvPr/>
+        </p:nvSpPr>
+        <p:spPr>
+          <a:xfrm>
+            <a:off x="-12341" y="443620"/>
+            <a:ext cx="1442789" cy="1247069"/>
+          </a:xfrm>
+          <a:prstGeom prst="rect">
+            <a:avLst/>
+          </a:prstGeom>
+          <a:solidFill>
+            <a:schemeClr val="bg1"/>
+          </a:solidFill>
+          <a:ln>
+            <a:noFill/>
+          </a:ln>
+        </p:spPr>
+        <p:style>
+          <a:lnRef idx="2">
+            <a:schemeClr val="accent1">
+              <a:shade val="50000"/>
+            </a:schemeClr>
+          </a:lnRef>
+          <a:fillRef idx="1">
+            <a:schemeClr val="accent1"/>
+          </a:fillRef>
+          <a:effectRef idx="0">
+            <a:schemeClr val="accent1"/>
+          </a:effectRef>
+          <a:fontRef idx="minor">
+            <a:schemeClr val="lt1"/>
+          </a:fontRef>
+        </p:style>
+        <p:txBody>
+          <a:bodyPr rtlCol="0" anchor="ctr"/>
+          <a:lstStyle/>
+          <a:p>
+            <a:pPr algn="ctr"/>
+            <a:endParaRPr lang="en-US"/>
+          </a:p>
+        </p:txBody>
+      </p:sp>
+      <p:pic>
+        <p:nvPicPr>
+          <p:cNvPr id="6" name="Content Placeholder 5"/>
+          <p:cNvPicPr>
+            <a:picLocks noGrp="1" noChangeAspect="1"/>
+          </p:cNvPicPr>
+          <p:nvPr>
+            <p:ph idx="1"/>
+          </p:nvPr>
+        </p:nvPicPr>
+        <p:blipFill>
+          <a:blip r:embed="rId2">
+            <a:extLst>
+              <a:ext uri="{28A0092B-C50C-407E-A947-70E740481C1C}">
+                <a14:useLocalDpi xmlns:a14="http://schemas.microsoft.com/office/drawing/2010/main" val="0"/>
+              </a:ext>
+            </a:extLst>
+          </a:blip>
+          <a:stretch>
+            <a:fillRect/>
+          </a:stretch>
+        </p:blipFill>
+        <p:spPr>
+          <a:xfrm>
+            <a:off x="133906" y="455607"/>
+            <a:ext cx="1221185" cy="1221185"/>
+          </a:xfrm>
+        </p:spPr>
+      </p:pic>
+      <p:pic>
+        <p:nvPicPr>
+          <p:cNvPr id="8" name="Picture 7"/>
+          <p:cNvPicPr>
+            <a:picLocks noChangeAspect="1"/>
+          </p:cNvPicPr>
+          <p:nvPr/>
+        </p:nvPicPr>
+        <p:blipFill>
+          <a:blip r:embed="rId3">
+            <a:extLst>
+              <a:ext uri="{28A0092B-C50C-407E-A947-70E740481C1C}">
+                <a14:useLocalDpi xmlns:a14="http://schemas.microsoft.com/office/drawing/2010/main" val="0"/>
+              </a:ext>
+            </a:extLst>
+          </a:blip>
+          <a:stretch>
+            <a:fillRect/>
+          </a:stretch>
+        </p:blipFill>
+        <p:spPr>
+          <a:xfrm>
+            <a:off x="3216815" y="2802340"/>
+            <a:ext cx="1253321" cy="1253321"/>
+          </a:xfrm>
+          <a:prstGeom prst="rect">
+            <a:avLst/>
+          </a:prstGeom>
+        </p:spPr>
+      </p:pic>
+      <p:pic>
+        <p:nvPicPr>
+          <p:cNvPr id="7" name="Picture 6"/>
+          <p:cNvPicPr>
+            <a:picLocks noChangeAspect="1"/>
+          </p:cNvPicPr>
+          <p:nvPr/>
+        </p:nvPicPr>
+        <p:blipFill>
+          <a:blip r:embed="rId4" cstate="print">
+            <a:extLst>
+              <a:ext uri="{28A0092B-C50C-407E-A947-70E740481C1C}">
+                <a14:useLocalDpi xmlns:a14="http://schemas.microsoft.com/office/drawing/2010/main" val="0"/>
+              </a:ext>
+            </a:extLst>
+          </a:blip>
+          <a:stretch>
+            <a:fillRect/>
+          </a:stretch>
+        </p:blipFill>
+        <p:spPr>
+          <a:xfrm>
+            <a:off x="3215316" y="4294903"/>
+            <a:ext cx="1286305" cy="1286305"/>
+          </a:xfrm>
+          <a:prstGeom prst="rect">
+            <a:avLst/>
+          </a:prstGeom>
+        </p:spPr>
+      </p:pic>
+      <p:pic>
+        <p:nvPicPr>
+          <p:cNvPr id="9" name="Picture 8"/>
+          <p:cNvPicPr>
+            <a:picLocks noChangeAspect="1"/>
+          </p:cNvPicPr>
+          <p:nvPr/>
+        </p:nvPicPr>
+        <p:blipFill>
+          <a:blip r:embed="rId5">
+            <a:extLst>
+              <a:ext uri="{28A0092B-C50C-407E-A947-70E740481C1C}">
+                <a14:useLocalDpi xmlns:a14="http://schemas.microsoft.com/office/drawing/2010/main" val="0"/>
+              </a:ext>
+            </a:extLst>
+          </a:blip>
+          <a:stretch>
+            <a:fillRect/>
+          </a:stretch>
+        </p:blipFill>
+        <p:spPr>
+          <a:xfrm>
+            <a:off x="6457963" y="2802338"/>
+            <a:ext cx="1253321" cy="1253321"/>
+          </a:xfrm>
+          <a:prstGeom prst="rect">
+            <a:avLst/>
+          </a:prstGeom>
+        </p:spPr>
+      </p:pic>
+      <p:pic>
+        <p:nvPicPr>
+          <p:cNvPr id="10" name="Picture 9"/>
+          <p:cNvPicPr>
+            <a:picLocks noChangeAspect="1"/>
+          </p:cNvPicPr>
+          <p:nvPr/>
+        </p:nvPicPr>
+        <p:blipFill>
+          <a:blip r:embed="rId6">
+            <a:extLst>
+              <a:ext uri="{28A0092B-C50C-407E-A947-70E740481C1C}">
+                <a14:useLocalDpi xmlns:a14="http://schemas.microsoft.com/office/drawing/2010/main" val="0"/>
+              </a:ext>
+            </a:extLst>
+          </a:blip>
+          <a:stretch>
+            <a:fillRect/>
+          </a:stretch>
+        </p:blipFill>
+        <p:spPr>
+          <a:xfrm>
+            <a:off x="1596241" y="2812888"/>
+            <a:ext cx="1253321" cy="1253321"/>
+          </a:xfrm>
+          <a:prstGeom prst="rect">
+            <a:avLst/>
+          </a:prstGeom>
+        </p:spPr>
+      </p:pic>
+      <p:pic>
+        <p:nvPicPr>
+          <p:cNvPr id="11" name="Picture 10"/>
+          <p:cNvPicPr>
+            <a:picLocks noChangeAspect="1"/>
+          </p:cNvPicPr>
+          <p:nvPr/>
+        </p:nvPicPr>
+        <p:blipFill>
+          <a:blip r:embed="rId7">
+            <a:extLst>
+              <a:ext uri="{28A0092B-C50C-407E-A947-70E740481C1C}">
+                <a14:useLocalDpi xmlns:a14="http://schemas.microsoft.com/office/drawing/2010/main" val="0"/>
+              </a:ext>
+            </a:extLst>
+          </a:blip>
+          <a:stretch>
+            <a:fillRect/>
+          </a:stretch>
+        </p:blipFill>
+        <p:spPr>
+          <a:xfrm>
+            <a:off x="4837389" y="2802339"/>
+            <a:ext cx="1253321" cy="1253321"/>
+          </a:xfrm>
+          <a:prstGeom prst="rect">
+            <a:avLst/>
+          </a:prstGeom>
+        </p:spPr>
+      </p:pic>
+      <p:pic>
+        <p:nvPicPr>
+          <p:cNvPr id="12" name="Picture 11"/>
+          <p:cNvPicPr>
+            <a:picLocks noChangeAspect="1"/>
+          </p:cNvPicPr>
+          <p:nvPr/>
+        </p:nvPicPr>
+        <p:blipFill rotWithShape="1">
+          <a:blip r:embed="rId8" cstate="print">
+            <a:extLst>
+              <a:ext uri="{28A0092B-C50C-407E-A947-70E740481C1C}">
+                <a14:useLocalDpi xmlns:a14="http://schemas.microsoft.com/office/drawing/2010/main" val="0"/>
+              </a:ext>
+            </a:extLst>
+          </a:blip>
+          <a:srcRect t="3789" b="4622"/>
+          <a:stretch/>
+        </p:blipFill>
+        <p:spPr>
+          <a:xfrm>
+            <a:off x="6411797" y="4304714"/>
+            <a:ext cx="1343973" cy="1230923"/>
+          </a:xfrm>
+          <a:prstGeom prst="rect">
+            <a:avLst/>
+          </a:prstGeom>
+        </p:spPr>
+      </p:pic>
+      <p:grpSp>
+        <p:nvGrpSpPr>
+          <p:cNvPr id="15" name="Group 14"/>
+          <p:cNvGrpSpPr/>
+          <p:nvPr/>
+        </p:nvGrpSpPr>
+        <p:grpSpPr>
+          <a:xfrm>
+            <a:off x="1577356" y="4276659"/>
+            <a:ext cx="1330712" cy="1324799"/>
+            <a:chOff x="4019006" y="5615709"/>
+            <a:chExt cx="1099762" cy="1094874"/>
+          </a:xfrm>
+        </p:grpSpPr>
+        <p:pic>
+          <p:nvPicPr>
+            <p:cNvPr id="13" name="Picture 12"/>
+            <p:cNvPicPr>
+              <a:picLocks noChangeAspect="1"/>
+            </p:cNvPicPr>
+            <p:nvPr/>
+          </p:nvPicPr>
+          <p:blipFill>
+            <a:blip r:embed="rId9">
+              <a:extLst>
+                <a:ext uri="{28A0092B-C50C-407E-A947-70E740481C1C}">
+                  <a14:useLocalDpi xmlns:a14="http://schemas.microsoft.com/office/drawing/2010/main" val="0"/>
+                </a:ext>
+              </a:extLst>
+            </a:blip>
+            <a:stretch>
+              <a:fillRect/>
+            </a:stretch>
+          </p:blipFill>
+          <p:spPr>
+            <a:xfrm>
+              <a:off x="4019006" y="5615709"/>
+              <a:ext cx="1099762" cy="1094874"/>
+            </a:xfrm>
+            <a:prstGeom prst="rect">
+              <a:avLst/>
+            </a:prstGeom>
+          </p:spPr>
+        </p:pic>
+        <p:sp>
+          <p:nvSpPr>
+            <p:cNvPr id="14" name="TextBox 13"/>
+            <p:cNvSpPr txBox="1"/>
+            <p:nvPr/>
+          </p:nvSpPr>
+          <p:spPr>
+            <a:xfrm>
+              <a:off x="4286632" y="5632754"/>
+              <a:ext cx="706170" cy="369332"/>
+            </a:xfrm>
+            <a:prstGeom prst="rect">
+              <a:avLst/>
+            </a:prstGeom>
+            <a:noFill/>
+          </p:spPr>
+          <p:txBody>
+            <a:bodyPr wrap="square" rtlCol="0">
+              <a:spAutoFit/>
+            </a:bodyPr>
+            <a:lstStyle/>
+            <a:p>
+              <a:r>
+                <a:rPr lang="en-US" b="1" dirty="0" smtClean="0">
+                  <a:solidFill>
+                    <a:schemeClr val="bg1"/>
+                  </a:solidFill>
+                </a:rPr>
+                <a:t>MDB</a:t>
+              </a:r>
+              <a:endParaRPr lang="en-US" b="1" dirty="0">
+                <a:solidFill>
+                  <a:schemeClr val="bg1"/>
+                </a:solidFill>
+              </a:endParaRPr>
+            </a:p>
+          </p:txBody>
+        </p:sp>
+      </p:grpSp>
+      <p:grpSp>
+        <p:nvGrpSpPr>
+          <p:cNvPr id="25" name="Group 24"/>
+          <p:cNvGrpSpPr/>
+          <p:nvPr/>
+        </p:nvGrpSpPr>
+        <p:grpSpPr>
+          <a:xfrm>
+            <a:off x="4799039" y="4302068"/>
+            <a:ext cx="1295810" cy="1353165"/>
+            <a:chOff x="7003340" y="2874300"/>
+            <a:chExt cx="1178009" cy="1230150"/>
+          </a:xfrm>
+        </p:grpSpPr>
+        <p:grpSp>
+          <p:nvGrpSpPr>
+            <p:cNvPr id="24" name="Group 23"/>
+            <p:cNvGrpSpPr/>
+            <p:nvPr/>
+          </p:nvGrpSpPr>
+          <p:grpSpPr>
+            <a:xfrm>
+              <a:off x="7025489" y="2874300"/>
+              <a:ext cx="1139383" cy="1230150"/>
+              <a:chOff x="7025489" y="2874300"/>
+              <a:chExt cx="1139383" cy="1230150"/>
+            </a:xfrm>
+          </p:grpSpPr>
+          <p:sp>
+            <p:nvSpPr>
+              <p:cNvPr id="19" name="Rectangle 18"/>
+              <p:cNvSpPr/>
+              <p:nvPr/>
+            </p:nvSpPr>
+            <p:spPr>
+              <a:xfrm>
+                <a:off x="7025489" y="2874300"/>
+                <a:ext cx="1139383" cy="1124391"/>
+              </a:xfrm>
+              <a:prstGeom prst="rect">
+                <a:avLst/>
+              </a:prstGeom>
+              <a:solidFill>
+                <a:srgbClr val="C00000"/>
+              </a:solidFill>
+              <a:ln>
+                <a:noFill/>
+              </a:ln>
+            </p:spPr>
+            <p:style>
+              <a:lnRef idx="2">
+                <a:schemeClr val="accent1">
+                  <a:shade val="50000"/>
+                </a:schemeClr>
+              </a:lnRef>
+              <a:fillRef idx="1">
+                <a:schemeClr val="accent1"/>
+              </a:fillRef>
+              <a:effectRef idx="0">
+                <a:schemeClr val="accent1"/>
+              </a:effectRef>
+              <a:fontRef idx="minor">
+                <a:schemeClr val="lt1"/>
+              </a:fontRef>
+            </p:style>
+            <p:txBody>
+              <a:bodyPr rtlCol="0" anchor="ctr"/>
+              <a:lstStyle/>
+              <a:p>
+                <a:pPr algn="ctr"/>
+                <a:endParaRPr lang="en-US"/>
+              </a:p>
+            </p:txBody>
+          </p:sp>
+          <p:sp>
+            <p:nvSpPr>
+              <p:cNvPr id="23" name="Freeform 22"/>
+              <p:cNvSpPr/>
+              <p:nvPr/>
+            </p:nvSpPr>
+            <p:spPr>
+              <a:xfrm rot="20225702" flipH="1">
+                <a:off x="7521260" y="3474825"/>
+                <a:ext cx="632776" cy="629625"/>
+              </a:xfrm>
+              <a:custGeom>
+                <a:avLst/>
+                <a:gdLst>
+                  <a:gd name="connsiteX0" fmla="*/ 80360 w 632776"/>
+                  <a:gd name="connsiteY0" fmla="*/ 0 h 629625"/>
+                  <a:gd name="connsiteX1" fmla="*/ 0 w 632776"/>
+                  <a:gd name="connsiteY1" fmla="*/ 400479 h 629625"/>
+                  <a:gd name="connsiteX2" fmla="*/ 96818 w 632776"/>
+                  <a:gd name="connsiteY2" fmla="*/ 629625 h 629625"/>
+                  <a:gd name="connsiteX3" fmla="*/ 544381 w 632776"/>
+                  <a:gd name="connsiteY3" fmla="*/ 440521 h 629625"/>
+                  <a:gd name="connsiteX4" fmla="*/ 632776 w 632776"/>
+                  <a:gd name="connsiteY4" fmla="*/ 0 h 629625"/>
+                </a:gdLst>
+                <a:ahLst/>
+                <a:cxnLst>
+                  <a:cxn ang="0">
+                    <a:pos x="connsiteX0" y="connsiteY0"/>
+                  </a:cxn>
+                  <a:cxn ang="0">
+                    <a:pos x="connsiteX1" y="connsiteY1"/>
+                  </a:cxn>
+                  <a:cxn ang="0">
+                    <a:pos x="connsiteX2" y="connsiteY2"/>
+                  </a:cxn>
+                  <a:cxn ang="0">
+                    <a:pos x="connsiteX3" y="connsiteY3"/>
+                  </a:cxn>
+                  <a:cxn ang="0">
+                    <a:pos x="connsiteX4" y="connsiteY4"/>
+                  </a:cxn>
+                </a:cxnLst>
+                <a:rect l="l" t="t" r="r" b="b"/>
+                <a:pathLst>
+                  <a:path w="632776" h="629625">
+                    <a:moveTo>
+                      <a:pt x="80360" y="0"/>
+                    </a:moveTo>
+                    <a:lnTo>
+                      <a:pt x="0" y="400479"/>
+                    </a:lnTo>
+                    <a:lnTo>
+                      <a:pt x="96818" y="629625"/>
+                    </a:lnTo>
+                    <a:lnTo>
+                      <a:pt x="544381" y="440521"/>
+                    </a:lnTo>
+                    <a:lnTo>
+                      <a:pt x="632776" y="0"/>
+                    </a:lnTo>
+                    <a:close/>
+                  </a:path>
+                </a:pathLst>
+              </a:custGeom>
+              <a:solidFill>
+                <a:srgbClr val="A20000"/>
+              </a:solidFill>
+              <a:ln>
+                <a:noFill/>
+              </a:ln>
+            </p:spPr>
+            <p:style>
+              <a:lnRef idx="2">
+                <a:schemeClr val="accent1">
+                  <a:shade val="50000"/>
+                </a:schemeClr>
+              </a:lnRef>
+              <a:fillRef idx="1">
+                <a:schemeClr val="accent1"/>
+              </a:fillRef>
+              <a:effectRef idx="0">
+                <a:schemeClr val="accent1"/>
+              </a:effectRef>
+              <a:fontRef idx="minor">
+                <a:schemeClr val="lt1"/>
+              </a:fontRef>
+            </p:style>
+            <p:txBody>
+              <a:bodyPr rtlCol="0" anchor="ctr"/>
+              <a:lstStyle/>
+              <a:p>
+                <a:pPr algn="ctr"/>
+                <a:endParaRPr lang="en-US"/>
+              </a:p>
+            </p:txBody>
+          </p:sp>
+        </p:grpSp>
+        <p:sp>
+          <p:nvSpPr>
+            <p:cNvPr id="20" name="TextBox 19"/>
+            <p:cNvSpPr txBox="1"/>
+            <p:nvPr/>
+          </p:nvSpPr>
+          <p:spPr>
+            <a:xfrm>
+              <a:off x="7003340" y="3176453"/>
+              <a:ext cx="1178009" cy="400110"/>
+            </a:xfrm>
+            <a:prstGeom prst="rect">
+              <a:avLst/>
+            </a:prstGeom>
+            <a:noFill/>
+          </p:spPr>
+          <p:txBody>
+            <a:bodyPr wrap="square" rtlCol="0">
+              <a:spAutoFit/>
+            </a:bodyPr>
+            <a:lstStyle/>
+            <a:p>
+              <a:r>
+                <a:rPr lang="en-US" sz="2000" b="1" dirty="0" smtClean="0">
+                  <a:solidFill>
+                    <a:schemeClr val="bg1"/>
+                  </a:solidFill>
+                  <a:effectLst>
+                    <a:outerShdw blurRad="596900" dist="647700" dir="4200000" sx="78000" sy="78000" algn="ctr" rotWithShape="0">
+                      <a:srgbClr val="000000">
+                        <a:alpha val="59000"/>
+                      </a:srgbClr>
+                    </a:outerShdw>
+                  </a:effectLst>
+                </a:rPr>
+                <a:t>Popper.js</a:t>
+              </a:r>
+              <a:endParaRPr lang="en-US" sz="2400" b="1" dirty="0">
+                <a:solidFill>
+                  <a:schemeClr val="bg1"/>
+                </a:solidFill>
+                <a:effectLst>
+                  <a:outerShdw blurRad="596900" dist="647700" dir="4200000" sx="78000" sy="78000" algn="ctr" rotWithShape="0">
+                    <a:srgbClr val="000000">
+                      <a:alpha val="59000"/>
+                    </a:srgbClr>
+                  </a:outerShdw>
+                </a:effectLst>
+              </a:endParaRPr>
+            </a:p>
+          </p:txBody>
+        </p:sp>
+      </p:grpSp>
+      <p:sp>
+        <p:nvSpPr>
+          <p:cNvPr id="26" name="Rectangle 25"/>
+          <p:cNvSpPr/>
+          <p:nvPr/>
+        </p:nvSpPr>
+        <p:spPr>
+          <a:xfrm>
+            <a:off x="879973" y="2332686"/>
+            <a:ext cx="7605297" cy="3849834"/>
+          </a:xfrm>
+          <a:prstGeom prst="rect">
+            <a:avLst/>
+          </a:prstGeom>
+          <a:noFill/>
+        </p:spPr>
+        <p:style>
+          <a:lnRef idx="2">
+            <a:schemeClr val="accent1">
+              <a:shade val="50000"/>
+            </a:schemeClr>
+          </a:lnRef>
+          <a:fillRef idx="1">
+            <a:schemeClr val="accent1"/>
+          </a:fillRef>
+          <a:effectRef idx="0">
+            <a:schemeClr val="accent1"/>
+          </a:effectRef>
+          <a:fontRef idx="minor">
+            <a:schemeClr val="lt1"/>
+          </a:fontRef>
+        </p:style>
+        <p:txBody>
+          <a:bodyPr rtlCol="0" anchor="ctr"/>
+          <a:lstStyle/>
+          <a:p>
+            <a:pPr algn="ctr"/>
+            <a:endParaRPr lang="en-US"/>
+          </a:p>
+        </p:txBody>
+      </p:sp>
+    </p:spTree>
+    <p:extLst>
+      <p:ext uri="{BB962C8B-B14F-4D97-AF65-F5344CB8AC3E}">
+        <p14:creationId xmlns:p14="http://schemas.microsoft.com/office/powerpoint/2010/main" val="3651798441"/>
+      </p:ext>
+    </p:extLst>
+  </p:cSld>
+  <p:clrMapOvr>
+    <a:masterClrMapping/>
+  </p:clrMapOvr>
+  <p:timing>
+    <p:tnLst>
+      <p:par>
+        <p:cTn id="1" dur="indefinite" restart="never" nodeType="tmRoot">
+          <p:childTnLst>
+            <p:seq concurrent="1" nextAc="seek">
+              <p:cTn id="2" dur="indefinite" nodeType="mainSeq">
+                <p:childTnLst>
+                  <p:par>
+                    <p:cTn id="3" fill="hold">
+                      <p:stCondLst>
+                        <p:cond delay="indefinite"/>
+                        <p:cond evt="onBegin" delay="0">
+                          <p:tn val="2"/>
+                        </p:cond>
+                      </p:stCondLst>
+                      <p:childTnLst>
+                        <p:par>
+                          <p:cTn id="4" fill="hold">
+                            <p:stCondLst>
+                              <p:cond delay="0"/>
+                            </p:stCondLst>
+                            <p:childTnLst>
+                              <p:par>
+                                <p:cTn id="5" presetID="31" presetClass="entr" presetSubtype="0" fill="hold" nodeType="withEffect">
+                                  <p:stCondLst>
+                                    <p:cond delay="0"/>
+                                  </p:stCondLst>
+                                  <p:childTnLst>
+                                    <p:set>
+                                      <p:cBhvr>
+                                        <p:cTn id="6" dur="1" fill="hold">
+                                          <p:stCondLst>
+                                            <p:cond delay="0"/>
+                                          </p:stCondLst>
+                                        </p:cTn>
+                                        <p:tgtEl>
+                                          <p:spTgt spid="10"/>
+                                        </p:tgtEl>
+                                        <p:attrNameLst>
+                                          <p:attrName>style.visibility</p:attrName>
+                                        </p:attrNameLst>
+                                      </p:cBhvr>
+                                      <p:to>
+                                        <p:strVal val="visible"/>
+                                      </p:to>
+                                    </p:set>
+                                    <p:anim calcmode="lin" valueType="num">
+                                      <p:cBhvr>
+                                        <p:cTn id="7" dur="250" fill="hold"/>
+                                        <p:tgtEl>
+                                          <p:spTgt spid="10"/>
+                                        </p:tgtEl>
+                                        <p:attrNameLst>
+                                          <p:attrName>ppt_w</p:attrName>
+                                        </p:attrNameLst>
+                                      </p:cBhvr>
+                                      <p:tavLst>
+                                        <p:tav tm="0">
+                                          <p:val>
+                                            <p:fltVal val="0"/>
+                                          </p:val>
+                                        </p:tav>
+                                        <p:tav tm="100000">
+                                          <p:val>
+                                            <p:strVal val="#ppt_w"/>
+                                          </p:val>
+                                        </p:tav>
+                                      </p:tavLst>
+                                    </p:anim>
+                                    <p:anim calcmode="lin" valueType="num">
+                                      <p:cBhvr>
+                                        <p:cTn id="8" dur="250" fill="hold"/>
+                                        <p:tgtEl>
+                                          <p:spTgt spid="10"/>
+                                        </p:tgtEl>
+                                        <p:attrNameLst>
+                                          <p:attrName>ppt_h</p:attrName>
+                                        </p:attrNameLst>
+                                      </p:cBhvr>
+                                      <p:tavLst>
+                                        <p:tav tm="0">
+                                          <p:val>
+                                            <p:fltVal val="0"/>
+                                          </p:val>
+                                        </p:tav>
+                                        <p:tav tm="100000">
+                                          <p:val>
+                                            <p:strVal val="#ppt_h"/>
+                                          </p:val>
+                                        </p:tav>
+                                      </p:tavLst>
+                                    </p:anim>
+                                    <p:anim calcmode="lin" valueType="num">
+                                      <p:cBhvr>
+                                        <p:cTn id="9" dur="250" fill="hold"/>
+                                        <p:tgtEl>
+                                          <p:spTgt spid="10"/>
+                                        </p:tgtEl>
+                                        <p:attrNameLst>
+                                          <p:attrName>style.rotation</p:attrName>
+                                        </p:attrNameLst>
+                                      </p:cBhvr>
+                                      <p:tavLst>
+                                        <p:tav tm="0">
+                                          <p:val>
+                                            <p:fltVal val="90"/>
+                                          </p:val>
+                                        </p:tav>
+                                        <p:tav tm="100000">
+                                          <p:val>
+                                            <p:fltVal val="0"/>
+                                          </p:val>
+                                        </p:tav>
+                                      </p:tavLst>
+                                    </p:anim>
+                                    <p:animEffect transition="in" filter="fade">
+                                      <p:cBhvr>
+                                        <p:cTn id="10" dur="250"/>
+                                        <p:tgtEl>
+                                          <p:spTgt spid="10"/>
+                                        </p:tgtEl>
+                                      </p:cBhvr>
+                                    </p:animEffect>
+                                  </p:childTnLst>
+                                </p:cTn>
+                              </p:par>
+                            </p:childTnLst>
+                          </p:cTn>
+                        </p:par>
+                        <p:par>
+                          <p:cTn id="11" fill="hold">
+                            <p:stCondLst>
+                              <p:cond delay="250"/>
+                            </p:stCondLst>
+                            <p:childTnLst>
+                              <p:par>
+                                <p:cTn id="12" presetID="31" presetClass="entr" presetSubtype="0" fill="hold" nodeType="afterEffect">
+                                  <p:stCondLst>
+                                    <p:cond delay="0"/>
+                                  </p:stCondLst>
+                                  <p:childTnLst>
+                                    <p:set>
+                                      <p:cBhvr>
+                                        <p:cTn id="13" dur="1" fill="hold">
+                                          <p:stCondLst>
+                                            <p:cond delay="0"/>
+                                          </p:stCondLst>
+                                        </p:cTn>
+                                        <p:tgtEl>
+                                          <p:spTgt spid="8"/>
+                                        </p:tgtEl>
+                                        <p:attrNameLst>
+                                          <p:attrName>style.visibility</p:attrName>
+                                        </p:attrNameLst>
+                                      </p:cBhvr>
+                                      <p:to>
+                                        <p:strVal val="visible"/>
+                                      </p:to>
+                                    </p:set>
+                                    <p:anim calcmode="lin" valueType="num">
+                                      <p:cBhvr>
+                                        <p:cTn id="14" dur="250" fill="hold"/>
+                                        <p:tgtEl>
+                                          <p:spTgt spid="8"/>
+                                        </p:tgtEl>
+                                        <p:attrNameLst>
+                                          <p:attrName>ppt_w</p:attrName>
+                                        </p:attrNameLst>
+                                      </p:cBhvr>
+                                      <p:tavLst>
+                                        <p:tav tm="0">
+                                          <p:val>
+                                            <p:fltVal val="0"/>
+                                          </p:val>
+                                        </p:tav>
+                                        <p:tav tm="100000">
+                                          <p:val>
+                                            <p:strVal val="#ppt_w"/>
+                                          </p:val>
+                                        </p:tav>
+                                      </p:tavLst>
+                                    </p:anim>
+                                    <p:anim calcmode="lin" valueType="num">
+                                      <p:cBhvr>
+                                        <p:cTn id="15" dur="250" fill="hold"/>
+                                        <p:tgtEl>
+                                          <p:spTgt spid="8"/>
+                                        </p:tgtEl>
+                                        <p:attrNameLst>
+                                          <p:attrName>ppt_h</p:attrName>
+                                        </p:attrNameLst>
+                                      </p:cBhvr>
+                                      <p:tavLst>
+                                        <p:tav tm="0">
+                                          <p:val>
+                                            <p:fltVal val="0"/>
+                                          </p:val>
+                                        </p:tav>
+                                        <p:tav tm="100000">
+                                          <p:val>
+                                            <p:strVal val="#ppt_h"/>
+                                          </p:val>
+                                        </p:tav>
+                                      </p:tavLst>
+                                    </p:anim>
+                                    <p:anim calcmode="lin" valueType="num">
+                                      <p:cBhvr>
+                                        <p:cTn id="16" dur="250" fill="hold"/>
+                                        <p:tgtEl>
+                                          <p:spTgt spid="8"/>
+                                        </p:tgtEl>
+                                        <p:attrNameLst>
+                                          <p:attrName>style.rotation</p:attrName>
+                                        </p:attrNameLst>
+                                      </p:cBhvr>
+                                      <p:tavLst>
+                                        <p:tav tm="0">
+                                          <p:val>
+                                            <p:fltVal val="90"/>
+                                          </p:val>
+                                        </p:tav>
+                                        <p:tav tm="100000">
+                                          <p:val>
+                                            <p:fltVal val="0"/>
+                                          </p:val>
+                                        </p:tav>
+                                      </p:tavLst>
+                                    </p:anim>
+                                    <p:animEffect transition="in" filter="fade">
+                                      <p:cBhvr>
+                                        <p:cTn id="17" dur="250"/>
+                                        <p:tgtEl>
+                                          <p:spTgt spid="8"/>
+                                        </p:tgtEl>
+                                      </p:cBhvr>
+                                    </p:animEffect>
+                                  </p:childTnLst>
+                                </p:cTn>
+                              </p:par>
+                            </p:childTnLst>
+                          </p:cTn>
+                        </p:par>
+                        <p:par>
+                          <p:cTn id="18" fill="hold">
+                            <p:stCondLst>
+                              <p:cond delay="500"/>
+                            </p:stCondLst>
+                            <p:childTnLst>
+                              <p:par>
+                                <p:cTn id="19" presetID="31" presetClass="entr" presetSubtype="0" fill="hold" nodeType="afterEffect">
+                                  <p:stCondLst>
+                                    <p:cond delay="0"/>
+                                  </p:stCondLst>
+                                  <p:childTnLst>
+                                    <p:set>
+                                      <p:cBhvr>
+                                        <p:cTn id="20" dur="1" fill="hold">
+                                          <p:stCondLst>
+                                            <p:cond delay="0"/>
+                                          </p:stCondLst>
+                                        </p:cTn>
+                                        <p:tgtEl>
+                                          <p:spTgt spid="11"/>
+                                        </p:tgtEl>
+                                        <p:attrNameLst>
+                                          <p:attrName>style.visibility</p:attrName>
+                                        </p:attrNameLst>
+                                      </p:cBhvr>
+                                      <p:to>
+                                        <p:strVal val="visible"/>
+                                      </p:to>
+                                    </p:set>
+                                    <p:anim calcmode="lin" valueType="num">
+                                      <p:cBhvr>
+                                        <p:cTn id="21" dur="250" fill="hold"/>
+                                        <p:tgtEl>
+                                          <p:spTgt spid="11"/>
+                                        </p:tgtEl>
+                                        <p:attrNameLst>
+                                          <p:attrName>ppt_w</p:attrName>
+                                        </p:attrNameLst>
+                                      </p:cBhvr>
+                                      <p:tavLst>
+                                        <p:tav tm="0">
+                                          <p:val>
+                                            <p:fltVal val="0"/>
+                                          </p:val>
+                                        </p:tav>
+                                        <p:tav tm="100000">
+                                          <p:val>
+                                            <p:strVal val="#ppt_w"/>
+                                          </p:val>
+                                        </p:tav>
+                                      </p:tavLst>
+                                    </p:anim>
+                                    <p:anim calcmode="lin" valueType="num">
+                                      <p:cBhvr>
+                                        <p:cTn id="22" dur="250" fill="hold"/>
+                                        <p:tgtEl>
+                                          <p:spTgt spid="11"/>
+                                        </p:tgtEl>
+                                        <p:attrNameLst>
+                                          <p:attrName>ppt_h</p:attrName>
+                                        </p:attrNameLst>
+                                      </p:cBhvr>
+                                      <p:tavLst>
+                                        <p:tav tm="0">
+                                          <p:val>
+                                            <p:fltVal val="0"/>
+                                          </p:val>
+                                        </p:tav>
+                                        <p:tav tm="100000">
+                                          <p:val>
+                                            <p:strVal val="#ppt_h"/>
+                                          </p:val>
+                                        </p:tav>
+                                      </p:tavLst>
+                                    </p:anim>
+                                    <p:anim calcmode="lin" valueType="num">
+                                      <p:cBhvr>
+                                        <p:cTn id="23" dur="250" fill="hold"/>
+                                        <p:tgtEl>
+                                          <p:spTgt spid="11"/>
+                                        </p:tgtEl>
+                                        <p:attrNameLst>
+                                          <p:attrName>style.rotation</p:attrName>
+                                        </p:attrNameLst>
+                                      </p:cBhvr>
+                                      <p:tavLst>
+                                        <p:tav tm="0">
+                                          <p:val>
+                                            <p:fltVal val="90"/>
+                                          </p:val>
+                                        </p:tav>
+                                        <p:tav tm="100000">
+                                          <p:val>
+                                            <p:fltVal val="0"/>
+                                          </p:val>
+                                        </p:tav>
+                                      </p:tavLst>
+                                    </p:anim>
+                                    <p:animEffect transition="in" filter="fade">
+                                      <p:cBhvr>
+                                        <p:cTn id="24" dur="250"/>
+                                        <p:tgtEl>
+                                          <p:spTgt spid="11"/>
+                                        </p:tgtEl>
+                                      </p:cBhvr>
+                                    </p:animEffect>
+                                  </p:childTnLst>
+                                </p:cTn>
+                              </p:par>
+                            </p:childTnLst>
+                          </p:cTn>
+                        </p:par>
+                        <p:par>
+                          <p:cTn id="25" fill="hold">
+                            <p:stCondLst>
+                              <p:cond delay="750"/>
+                            </p:stCondLst>
+                            <p:childTnLst>
+                              <p:par>
+                                <p:cTn id="26" presetID="31" presetClass="entr" presetSubtype="0" fill="hold" nodeType="afterEffect">
+                                  <p:stCondLst>
+                                    <p:cond delay="0"/>
+                                  </p:stCondLst>
+                                  <p:childTnLst>
+                                    <p:set>
+                                      <p:cBhvr>
+                                        <p:cTn id="27" dur="1" fill="hold">
+                                          <p:stCondLst>
+                                            <p:cond delay="0"/>
+                                          </p:stCondLst>
+                                        </p:cTn>
+                                        <p:tgtEl>
+                                          <p:spTgt spid="9"/>
+                                        </p:tgtEl>
+                                        <p:attrNameLst>
+                                          <p:attrName>style.visibility</p:attrName>
+                                        </p:attrNameLst>
+                                      </p:cBhvr>
+                                      <p:to>
+                                        <p:strVal val="visible"/>
+                                      </p:to>
+                                    </p:set>
+                                    <p:anim calcmode="lin" valueType="num">
+                                      <p:cBhvr>
+                                        <p:cTn id="28" dur="250" fill="hold"/>
+                                        <p:tgtEl>
+                                          <p:spTgt spid="9"/>
+                                        </p:tgtEl>
+                                        <p:attrNameLst>
+                                          <p:attrName>ppt_w</p:attrName>
+                                        </p:attrNameLst>
+                                      </p:cBhvr>
+                                      <p:tavLst>
+                                        <p:tav tm="0">
+                                          <p:val>
+                                            <p:fltVal val="0"/>
+                                          </p:val>
+                                        </p:tav>
+                                        <p:tav tm="100000">
+                                          <p:val>
+                                            <p:strVal val="#ppt_w"/>
+                                          </p:val>
+                                        </p:tav>
+                                      </p:tavLst>
+                                    </p:anim>
+                                    <p:anim calcmode="lin" valueType="num">
+                                      <p:cBhvr>
+                                        <p:cTn id="29" dur="250" fill="hold"/>
+                                        <p:tgtEl>
+                                          <p:spTgt spid="9"/>
+                                        </p:tgtEl>
+                                        <p:attrNameLst>
+                                          <p:attrName>ppt_h</p:attrName>
+                                        </p:attrNameLst>
+                                      </p:cBhvr>
+                                      <p:tavLst>
+                                        <p:tav tm="0">
+                                          <p:val>
+                                            <p:fltVal val="0"/>
+                                          </p:val>
+                                        </p:tav>
+                                        <p:tav tm="100000">
+                                          <p:val>
+                                            <p:strVal val="#ppt_h"/>
+                                          </p:val>
+                                        </p:tav>
+                                      </p:tavLst>
+                                    </p:anim>
+                                    <p:anim calcmode="lin" valueType="num">
+                                      <p:cBhvr>
+                                        <p:cTn id="30" dur="250" fill="hold"/>
+                                        <p:tgtEl>
+                                          <p:spTgt spid="9"/>
+                                        </p:tgtEl>
+                                        <p:attrNameLst>
+                                          <p:attrName>style.rotation</p:attrName>
+                                        </p:attrNameLst>
+                                      </p:cBhvr>
+                                      <p:tavLst>
+                                        <p:tav tm="0">
+                                          <p:val>
+                                            <p:fltVal val="90"/>
+                                          </p:val>
+                                        </p:tav>
+                                        <p:tav tm="100000">
+                                          <p:val>
+                                            <p:fltVal val="0"/>
+                                          </p:val>
+                                        </p:tav>
+                                      </p:tavLst>
+                                    </p:anim>
+                                    <p:animEffect transition="in" filter="fade">
+                                      <p:cBhvr>
+                                        <p:cTn id="31" dur="250"/>
+                                        <p:tgtEl>
+                                          <p:spTgt spid="9"/>
+                                        </p:tgtEl>
+                                      </p:cBhvr>
+                                    </p:animEffect>
+                                  </p:childTnLst>
+                                </p:cTn>
+                              </p:par>
+                            </p:childTnLst>
+                          </p:cTn>
+                        </p:par>
+                        <p:par>
+                          <p:cTn id="32" fill="hold">
+                            <p:stCondLst>
+                              <p:cond delay="1000"/>
+                            </p:stCondLst>
+                            <p:childTnLst>
+                              <p:par>
+                                <p:cTn id="33" presetID="31" presetClass="entr" presetSubtype="0" fill="hold" nodeType="afterEffect">
+                                  <p:stCondLst>
+                                    <p:cond delay="0"/>
+                                  </p:stCondLst>
+                                  <p:childTnLst>
+                                    <p:set>
+                                      <p:cBhvr>
+                                        <p:cTn id="34" dur="1" fill="hold">
+                                          <p:stCondLst>
+                                            <p:cond delay="0"/>
+                                          </p:stCondLst>
+                                        </p:cTn>
+                                        <p:tgtEl>
+                                          <p:spTgt spid="15"/>
+                                        </p:tgtEl>
+                                        <p:attrNameLst>
+                                          <p:attrName>style.visibility</p:attrName>
+                                        </p:attrNameLst>
+                                      </p:cBhvr>
+                                      <p:to>
+                                        <p:strVal val="visible"/>
+                                      </p:to>
+                                    </p:set>
+                                    <p:anim calcmode="lin" valueType="num">
+                                      <p:cBhvr>
+                                        <p:cTn id="35" dur="250" fill="hold"/>
+                                        <p:tgtEl>
+                                          <p:spTgt spid="15"/>
+                                        </p:tgtEl>
+                                        <p:attrNameLst>
+                                          <p:attrName>ppt_w</p:attrName>
+                                        </p:attrNameLst>
+                                      </p:cBhvr>
+                                      <p:tavLst>
+                                        <p:tav tm="0">
+                                          <p:val>
+                                            <p:fltVal val="0"/>
+                                          </p:val>
+                                        </p:tav>
+                                        <p:tav tm="100000">
+                                          <p:val>
+                                            <p:strVal val="#ppt_w"/>
+                                          </p:val>
+                                        </p:tav>
+                                      </p:tavLst>
+                                    </p:anim>
+                                    <p:anim calcmode="lin" valueType="num">
+                                      <p:cBhvr>
+                                        <p:cTn id="36" dur="250" fill="hold"/>
+                                        <p:tgtEl>
+                                          <p:spTgt spid="15"/>
+                                        </p:tgtEl>
+                                        <p:attrNameLst>
+                                          <p:attrName>ppt_h</p:attrName>
+                                        </p:attrNameLst>
+                                      </p:cBhvr>
+                                      <p:tavLst>
+                                        <p:tav tm="0">
+                                          <p:val>
+                                            <p:fltVal val="0"/>
+                                          </p:val>
+                                        </p:tav>
+                                        <p:tav tm="100000">
+                                          <p:val>
+                                            <p:strVal val="#ppt_h"/>
+                                          </p:val>
+                                        </p:tav>
+                                      </p:tavLst>
+                                    </p:anim>
+                                    <p:anim calcmode="lin" valueType="num">
+                                      <p:cBhvr>
+                                        <p:cTn id="37" dur="250" fill="hold"/>
+                                        <p:tgtEl>
+                                          <p:spTgt spid="15"/>
+                                        </p:tgtEl>
+                                        <p:attrNameLst>
+                                          <p:attrName>style.rotation</p:attrName>
+                                        </p:attrNameLst>
+                                      </p:cBhvr>
+                                      <p:tavLst>
+                                        <p:tav tm="0">
+                                          <p:val>
+                                            <p:fltVal val="90"/>
+                                          </p:val>
+                                        </p:tav>
+                                        <p:tav tm="100000">
+                                          <p:val>
+                                            <p:fltVal val="0"/>
+                                          </p:val>
+                                        </p:tav>
+                                      </p:tavLst>
+                                    </p:anim>
+                                    <p:animEffect transition="in" filter="fade">
+                                      <p:cBhvr>
+                                        <p:cTn id="38" dur="250"/>
+                                        <p:tgtEl>
+                                          <p:spTgt spid="15"/>
+                                        </p:tgtEl>
+                                      </p:cBhvr>
+                                    </p:animEffect>
+                                  </p:childTnLst>
+                                </p:cTn>
+                              </p:par>
+                            </p:childTnLst>
+                          </p:cTn>
+                        </p:par>
+                        <p:par>
+                          <p:cTn id="39" fill="hold">
+                            <p:stCondLst>
+                              <p:cond delay="1250"/>
+                            </p:stCondLst>
+                            <p:childTnLst>
+                              <p:par>
+                                <p:cTn id="40" presetID="31" presetClass="entr" presetSubtype="0" fill="hold" nodeType="afterEffect">
+                                  <p:stCondLst>
+                                    <p:cond delay="0"/>
+                                  </p:stCondLst>
+                                  <p:childTnLst>
+                                    <p:set>
+                                      <p:cBhvr>
+                                        <p:cTn id="41" dur="1" fill="hold">
+                                          <p:stCondLst>
+                                            <p:cond delay="0"/>
+                                          </p:stCondLst>
+                                        </p:cTn>
+                                        <p:tgtEl>
+                                          <p:spTgt spid="7"/>
+                                        </p:tgtEl>
+                                        <p:attrNameLst>
+                                          <p:attrName>style.visibility</p:attrName>
+                                        </p:attrNameLst>
+                                      </p:cBhvr>
+                                      <p:to>
+                                        <p:strVal val="visible"/>
+                                      </p:to>
+                                    </p:set>
+                                    <p:anim calcmode="lin" valueType="num">
+                                      <p:cBhvr>
+                                        <p:cTn id="42" dur="250" fill="hold"/>
+                                        <p:tgtEl>
+                                          <p:spTgt spid="7"/>
+                                        </p:tgtEl>
+                                        <p:attrNameLst>
+                                          <p:attrName>ppt_w</p:attrName>
+                                        </p:attrNameLst>
+                                      </p:cBhvr>
+                                      <p:tavLst>
+                                        <p:tav tm="0">
+                                          <p:val>
+                                            <p:fltVal val="0"/>
+                                          </p:val>
+                                        </p:tav>
+                                        <p:tav tm="100000">
+                                          <p:val>
+                                            <p:strVal val="#ppt_w"/>
+                                          </p:val>
+                                        </p:tav>
+                                      </p:tavLst>
+                                    </p:anim>
+                                    <p:anim calcmode="lin" valueType="num">
+                                      <p:cBhvr>
+                                        <p:cTn id="43" dur="250" fill="hold"/>
+                                        <p:tgtEl>
+                                          <p:spTgt spid="7"/>
+                                        </p:tgtEl>
+                                        <p:attrNameLst>
+                                          <p:attrName>ppt_h</p:attrName>
+                                        </p:attrNameLst>
+                                      </p:cBhvr>
+                                      <p:tavLst>
+                                        <p:tav tm="0">
+                                          <p:val>
+                                            <p:fltVal val="0"/>
+                                          </p:val>
+                                        </p:tav>
+                                        <p:tav tm="100000">
+                                          <p:val>
+                                            <p:strVal val="#ppt_h"/>
+                                          </p:val>
+                                        </p:tav>
+                                      </p:tavLst>
+                                    </p:anim>
+                                    <p:anim calcmode="lin" valueType="num">
+                                      <p:cBhvr>
+                                        <p:cTn id="44" dur="250" fill="hold"/>
+                                        <p:tgtEl>
+                                          <p:spTgt spid="7"/>
+                                        </p:tgtEl>
+                                        <p:attrNameLst>
+                                          <p:attrName>style.rotation</p:attrName>
+                                        </p:attrNameLst>
+                                      </p:cBhvr>
+                                      <p:tavLst>
+                                        <p:tav tm="0">
+                                          <p:val>
+                                            <p:fltVal val="90"/>
+                                          </p:val>
+                                        </p:tav>
+                                        <p:tav tm="100000">
+                                          <p:val>
+                                            <p:fltVal val="0"/>
+                                          </p:val>
+                                        </p:tav>
+                                      </p:tavLst>
+                                    </p:anim>
+                                    <p:animEffect transition="in" filter="fade">
+                                      <p:cBhvr>
+                                        <p:cTn id="45" dur="250"/>
+                                        <p:tgtEl>
+                                          <p:spTgt spid="7"/>
+                                        </p:tgtEl>
+                                      </p:cBhvr>
+                                    </p:animEffect>
+                                  </p:childTnLst>
+                                </p:cTn>
+                              </p:par>
+                            </p:childTnLst>
+                          </p:cTn>
+                        </p:par>
+                        <p:par>
+                          <p:cTn id="46" fill="hold">
+                            <p:stCondLst>
+                              <p:cond delay="1500"/>
+                            </p:stCondLst>
+                            <p:childTnLst>
+                              <p:par>
+                                <p:cTn id="47" presetID="31" presetClass="entr" presetSubtype="0" fill="hold" nodeType="afterEffect">
+                                  <p:stCondLst>
+                                    <p:cond delay="0"/>
+                                  </p:stCondLst>
+                                  <p:childTnLst>
+                                    <p:set>
+                                      <p:cBhvr>
+                                        <p:cTn id="48" dur="1" fill="hold">
+                                          <p:stCondLst>
+                                            <p:cond delay="0"/>
+                                          </p:stCondLst>
+                                        </p:cTn>
+                                        <p:tgtEl>
+                                          <p:spTgt spid="25"/>
+                                        </p:tgtEl>
+                                        <p:attrNameLst>
+                                          <p:attrName>style.visibility</p:attrName>
+                                        </p:attrNameLst>
+                                      </p:cBhvr>
+                                      <p:to>
+                                        <p:strVal val="visible"/>
+                                      </p:to>
+                                    </p:set>
+                                    <p:anim calcmode="lin" valueType="num">
+                                      <p:cBhvr>
+                                        <p:cTn id="49" dur="250" fill="hold"/>
+                                        <p:tgtEl>
+                                          <p:spTgt spid="25"/>
+                                        </p:tgtEl>
+                                        <p:attrNameLst>
+                                          <p:attrName>ppt_w</p:attrName>
+                                        </p:attrNameLst>
+                                      </p:cBhvr>
+                                      <p:tavLst>
+                                        <p:tav tm="0">
+                                          <p:val>
+                                            <p:fltVal val="0"/>
+                                          </p:val>
+                                        </p:tav>
+                                        <p:tav tm="100000">
+                                          <p:val>
+                                            <p:strVal val="#ppt_w"/>
+                                          </p:val>
+                                        </p:tav>
+                                      </p:tavLst>
+                                    </p:anim>
+                                    <p:anim calcmode="lin" valueType="num">
+                                      <p:cBhvr>
+                                        <p:cTn id="50" dur="250" fill="hold"/>
+                                        <p:tgtEl>
+                                          <p:spTgt spid="25"/>
+                                        </p:tgtEl>
+                                        <p:attrNameLst>
+                                          <p:attrName>ppt_h</p:attrName>
+                                        </p:attrNameLst>
+                                      </p:cBhvr>
+                                      <p:tavLst>
+                                        <p:tav tm="0">
+                                          <p:val>
+                                            <p:fltVal val="0"/>
+                                          </p:val>
+                                        </p:tav>
+                                        <p:tav tm="100000">
+                                          <p:val>
+                                            <p:strVal val="#ppt_h"/>
+                                          </p:val>
+                                        </p:tav>
+                                      </p:tavLst>
+                                    </p:anim>
+                                    <p:anim calcmode="lin" valueType="num">
+                                      <p:cBhvr>
+                                        <p:cTn id="51" dur="250" fill="hold"/>
+                                        <p:tgtEl>
+                                          <p:spTgt spid="25"/>
+                                        </p:tgtEl>
+                                        <p:attrNameLst>
+                                          <p:attrName>style.rotation</p:attrName>
+                                        </p:attrNameLst>
+                                      </p:cBhvr>
+                                      <p:tavLst>
+                                        <p:tav tm="0">
+                                          <p:val>
+                                            <p:fltVal val="90"/>
+                                          </p:val>
+                                        </p:tav>
+                                        <p:tav tm="100000">
+                                          <p:val>
+                                            <p:fltVal val="0"/>
+                                          </p:val>
+                                        </p:tav>
+                                      </p:tavLst>
+                                    </p:anim>
+                                    <p:animEffect transition="in" filter="fade">
+                                      <p:cBhvr>
+                                        <p:cTn id="52" dur="250"/>
+                                        <p:tgtEl>
+                                          <p:spTgt spid="25"/>
+                                        </p:tgtEl>
+                                      </p:cBhvr>
+                                    </p:animEffect>
+                                  </p:childTnLst>
+                                </p:cTn>
+                              </p:par>
+                            </p:childTnLst>
+                          </p:cTn>
+                        </p:par>
+                        <p:par>
+                          <p:cTn id="53" fill="hold">
+                            <p:stCondLst>
+                              <p:cond delay="1750"/>
+                            </p:stCondLst>
+                            <p:childTnLst>
+                              <p:par>
+                                <p:cTn id="54" presetID="31" presetClass="entr" presetSubtype="0" fill="hold" nodeType="afterEffect">
+                                  <p:stCondLst>
+                                    <p:cond delay="0"/>
+                                  </p:stCondLst>
+                                  <p:childTnLst>
+                                    <p:set>
+                                      <p:cBhvr>
+                                        <p:cTn id="55" dur="1" fill="hold">
+                                          <p:stCondLst>
+                                            <p:cond delay="0"/>
+                                          </p:stCondLst>
+                                        </p:cTn>
+                                        <p:tgtEl>
+                                          <p:spTgt spid="12"/>
+                                        </p:tgtEl>
+                                        <p:attrNameLst>
+                                          <p:attrName>style.visibility</p:attrName>
+                                        </p:attrNameLst>
+                                      </p:cBhvr>
+                                      <p:to>
+                                        <p:strVal val="visible"/>
+                                      </p:to>
+                                    </p:set>
+                                    <p:anim calcmode="lin" valueType="num">
+                                      <p:cBhvr>
+                                        <p:cTn id="56" dur="250" fill="hold"/>
+                                        <p:tgtEl>
+                                          <p:spTgt spid="12"/>
+                                        </p:tgtEl>
+                                        <p:attrNameLst>
+                                          <p:attrName>ppt_w</p:attrName>
+                                        </p:attrNameLst>
+                                      </p:cBhvr>
+                                      <p:tavLst>
+                                        <p:tav tm="0">
+                                          <p:val>
+                                            <p:fltVal val="0"/>
+                                          </p:val>
+                                        </p:tav>
+                                        <p:tav tm="100000">
+                                          <p:val>
+                                            <p:strVal val="#ppt_w"/>
+                                          </p:val>
+                                        </p:tav>
+                                      </p:tavLst>
+                                    </p:anim>
+                                    <p:anim calcmode="lin" valueType="num">
+                                      <p:cBhvr>
+                                        <p:cTn id="57" dur="250" fill="hold"/>
+                                        <p:tgtEl>
+                                          <p:spTgt spid="12"/>
+                                        </p:tgtEl>
+                                        <p:attrNameLst>
+                                          <p:attrName>ppt_h</p:attrName>
+                                        </p:attrNameLst>
+                                      </p:cBhvr>
+                                      <p:tavLst>
+                                        <p:tav tm="0">
+                                          <p:val>
+                                            <p:fltVal val="0"/>
+                                          </p:val>
+                                        </p:tav>
+                                        <p:tav tm="100000">
+                                          <p:val>
+                                            <p:strVal val="#ppt_h"/>
+                                          </p:val>
+                                        </p:tav>
+                                      </p:tavLst>
+                                    </p:anim>
+                                    <p:anim calcmode="lin" valueType="num">
+                                      <p:cBhvr>
+                                        <p:cTn id="58" dur="250" fill="hold"/>
+                                        <p:tgtEl>
+                                          <p:spTgt spid="12"/>
+                                        </p:tgtEl>
+                                        <p:attrNameLst>
+                                          <p:attrName>style.rotation</p:attrName>
+                                        </p:attrNameLst>
+                                      </p:cBhvr>
+                                      <p:tavLst>
+                                        <p:tav tm="0">
+                                          <p:val>
+                                            <p:fltVal val="90"/>
+                                          </p:val>
+                                        </p:tav>
+                                        <p:tav tm="100000">
+                                          <p:val>
+                                            <p:fltVal val="0"/>
+                                          </p:val>
+                                        </p:tav>
+                                      </p:tavLst>
+                                    </p:anim>
+                                    <p:animEffect transition="in" filter="fade">
+                                      <p:cBhvr>
+                                        <p:cTn id="59" dur="250"/>
+                                        <p:tgtEl>
+                                          <p:spTgt spid="12"/>
+                                        </p:tgtEl>
+                                      </p:cBhvr>
+                                    </p:animEffect>
+                                  </p:childTnLst>
+                                </p:cTn>
+                              </p:par>
+                            </p:childTnLst>
+                          </p:cTn>
+                        </p:par>
+                      </p:childTnLst>
+                    </p:cTn>
+                  </p:par>
+                </p:childTnLst>
+              </p:cTn>
+              <p:prevCondLst>
+                <p:cond evt="onPrev" delay="0">
+                  <p:tgtEl>
+                    <p:sldTgt/>
+                  </p:tgtEl>
+                </p:cond>
+              </p:prevCondLst>
+              <p:nextCondLst>
+                <p:cond evt="onNext" delay="0">
+                  <p:tgtEl>
+                    <p:sldTgt/>
+                  </p:tgtEl>
+                </p:cond>
+              </p:nextCondLst>
+            </p:seq>
+          </p:childTnLst>
+        </p:cTn>
+      </p:par>
+    </p:tnLst>
+  </p:timing>
+</p:sld>
+</file>
+
+<file path=ppt/slides/slide5.xml><?xml version="1.0" encoding="utf-8"?>
+<p:sld xmlns:a="http://schemas.openxmlformats.org/drawingml/2006/main" xmlns:r="http://schemas.openxmlformats.org/officeDocument/2006/relationships" xmlns:p="http://schemas.openxmlformats.org/presentationml/2006/main">
+  <p:cSld>
     <p:bg>
       <p:bgPr>
         <a:solidFill>
-          <a:srgbClr val="455F51"/>
+          <a:schemeClr val="accent3">
+            <a:lumMod val="75000"/>
+          </a:schemeClr>
         </a:solidFill>
         <a:effectLst/>
       </p:bgPr>
@@ -3414,8 +5722,8 @@
         </p:nvSpPr>
         <p:spPr>
           <a:xfrm>
-            <a:off x="1151057" y="776844"/>
-            <a:ext cx="7211651" cy="2224165"/>
+            <a:off x="1151057" y="596086"/>
+            <a:ext cx="7503845" cy="2224165"/>
           </a:xfrm>
         </p:spPr>
         <p:txBody>
@@ -3424,15 +5732,6 @@
           </a:bodyPr>
           <a:lstStyle/>
           <a:p>
-            <a:r>
-              <a:rPr lang="en-US" b="1" dirty="0">
-                <a:solidFill>
-                  <a:schemeClr val="bg1"/>
-                </a:solidFill>
-                <a:latin typeface="Trebuchet MS" panose="020B0603020202020204" pitchFamily="34" charset="0"/>
-              </a:rPr>
-              <a:t>The most tedious thing for a backend developer is designing frontend</a:t>
-            </a:r>
             <a:r>
               <a:rPr lang="en-US" b="1" dirty="0" smtClean="0">
                 <a:solidFill>
@@ -3440,7 +5739,16 @@
                 </a:solidFill>
                 <a:latin typeface="Trebuchet MS" panose="020B0603020202020204" pitchFamily="34" charset="0"/>
               </a:rPr>
-              <a:t>.</a:t>
+              <a:t>All Human Beings are born free and equal in dignity and rights.          </a:t>
+            </a:r>
+            <a:r>
+              <a:rPr lang="en-US" sz="2400" b="1" dirty="0" smtClean="0">
+                <a:solidFill>
+                  <a:schemeClr val="bg1"/>
+                </a:solidFill>
+                <a:latin typeface="Trebuchet MS" panose="020B0603020202020204" pitchFamily="34" charset="0"/>
+              </a:rPr>
+              <a:t>–UN, Charter-1945</a:t>
             </a:r>
             <a:endParaRPr lang="en-US" dirty="0">
               <a:solidFill>
@@ -3473,7 +5781,7 @@
         </p:blipFill>
         <p:spPr>
           <a:xfrm>
-            <a:off x="2368802" y="3098218"/>
+            <a:off x="2661139" y="3001009"/>
             <a:ext cx="4191486" cy="2953092"/>
           </a:xfrm>
           <a:prstGeom prst="rect">
@@ -3519,6 +5827,48 @@
           </a:p>
         </p:txBody>
       </p:sp>
+      <p:pic>
+        <p:nvPicPr>
+          <p:cNvPr id="7" name="Picture 6"/>
+          <p:cNvPicPr>
+            <a:picLocks noChangeAspect="1"/>
+          </p:cNvPicPr>
+          <p:nvPr/>
+        </p:nvPicPr>
+        <p:blipFill>
+          <a:blip r:embed="rId3" cstate="print">
+            <a:extLst>
+              <a:ext uri="{BEBA8EAE-BF5A-486C-A8C5-ECC9F3942E4B}">
+                <a14:imgProps xmlns:a14="http://schemas.microsoft.com/office/drawing/2010/main">
+                  <a14:imgLayer r:embed="rId4">
+                    <a14:imgEffect>
+                      <a14:backgroundRemoval t="4085" b="89869" l="9982" r="89837">
+                        <a14:foregroundMark x1="48094" y1="17157" x2="48094" y2="17157"/>
+                        <a14:foregroundMark x1="50272" y1="15196" x2="50272" y2="15196"/>
+                      </a14:backgroundRemoval>
+                    </a14:imgEffect>
+                  </a14:imgLayer>
+                </a14:imgProps>
+              </a:ext>
+              <a:ext uri="{28A0092B-C50C-407E-A947-70E740481C1C}">
+                <a14:useLocalDpi xmlns:a14="http://schemas.microsoft.com/office/drawing/2010/main" val="0"/>
+              </a:ext>
+            </a:extLst>
+          </a:blip>
+          <a:stretch>
+            <a:fillRect/>
+          </a:stretch>
+        </p:blipFill>
+        <p:spPr>
+          <a:xfrm>
+            <a:off x="2482122" y="2157166"/>
+            <a:ext cx="4716182" cy="5238300"/>
+          </a:xfrm>
+          <a:prstGeom prst="rect">
+            <a:avLst/>
+          </a:prstGeom>
+        </p:spPr>
+      </p:pic>
     </p:spTree>
     <p:extLst>
       <p:ext uri="{BB962C8B-B14F-4D97-AF65-F5344CB8AC3E}">
@@ -3532,7 +5882,113 @@
   <p:timing>
     <p:tnLst>
       <p:par>
-        <p:cTn id="1" dur="indefinite" restart="never" nodeType="tmRoot"/>
+        <p:cTn id="1" dur="indefinite" restart="never" nodeType="tmRoot">
+          <p:childTnLst>
+            <p:seq concurrent="1" nextAc="seek">
+              <p:cTn id="2" dur="indefinite" nodeType="mainSeq">
+                <p:childTnLst>
+                  <p:par>
+                    <p:cTn id="3" fill="hold">
+                      <p:stCondLst>
+                        <p:cond delay="indefinite"/>
+                        <p:cond evt="onBegin" delay="0">
+                          <p:tn val="2"/>
+                        </p:cond>
+                      </p:stCondLst>
+                      <p:childTnLst>
+                        <p:par>
+                          <p:cTn id="4" fill="hold">
+                            <p:stCondLst>
+                              <p:cond delay="0"/>
+                            </p:stCondLst>
+                            <p:childTnLst>
+                              <p:par>
+                                <p:cTn id="5" presetID="10" presetClass="exit" presetSubtype="0" fill="hold" nodeType="withEffect">
+                                  <p:stCondLst>
+                                    <p:cond delay="0"/>
+                                  </p:stCondLst>
+                                  <p:childTnLst>
+                                    <p:animEffect transition="out" filter="fade">
+                                      <p:cBhvr>
+                                        <p:cTn id="6" dur="2250"/>
+                                        <p:tgtEl>
+                                          <p:spTgt spid="5"/>
+                                        </p:tgtEl>
+                                      </p:cBhvr>
+                                    </p:animEffect>
+                                    <p:set>
+                                      <p:cBhvr>
+                                        <p:cTn id="7" dur="1" fill="hold">
+                                          <p:stCondLst>
+                                            <p:cond delay="2249"/>
+                                          </p:stCondLst>
+                                        </p:cTn>
+                                        <p:tgtEl>
+                                          <p:spTgt spid="5"/>
+                                        </p:tgtEl>
+                                        <p:attrNameLst>
+                                          <p:attrName>style.visibility</p:attrName>
+                                        </p:attrNameLst>
+                                      </p:cBhvr>
+                                      <p:to>
+                                        <p:strVal val="hidden"/>
+                                      </p:to>
+                                    </p:set>
+                                  </p:childTnLst>
+                                </p:cTn>
+                              </p:par>
+                              <p:par>
+                                <p:cTn id="8" presetID="1" presetClass="entr" presetSubtype="0" fill="hold" nodeType="withEffect">
+                                  <p:stCondLst>
+                                    <p:cond delay="2000"/>
+                                  </p:stCondLst>
+                                  <p:childTnLst>
+                                    <p:set>
+                                      <p:cBhvr>
+                                        <p:cTn id="9" dur="1" fill="hold">
+                                          <p:stCondLst>
+                                            <p:cond delay="249"/>
+                                          </p:stCondLst>
+                                        </p:cTn>
+                                        <p:tgtEl>
+                                          <p:spTgt spid="7"/>
+                                        </p:tgtEl>
+                                        <p:attrNameLst>
+                                          <p:attrName>style.visibility</p:attrName>
+                                        </p:attrNameLst>
+                                      </p:cBhvr>
+                                      <p:to>
+                                        <p:strVal val="visible"/>
+                                      </p:to>
+                                    </p:set>
+                                  </p:childTnLst>
+                                </p:cTn>
+                              </p:par>
+                            </p:childTnLst>
+                          </p:cTn>
+                        </p:par>
+                      </p:childTnLst>
+                    </p:cTn>
+                  </p:par>
+                </p:childTnLst>
+              </p:cTn>
+              <p:prevCondLst>
+                <p:cond evt="onPrev" delay="0">
+                  <p:tgtEl>
+                    <p:sldTgt/>
+                  </p:tgtEl>
+                </p:cond>
+              </p:prevCondLst>
+              <p:nextCondLst>
+                <p:cond evt="onNext" delay="0">
+                  <p:tgtEl>
+                    <p:sldTgt/>
+                  </p:tgtEl>
+                </p:cond>
+              </p:nextCondLst>
+            </p:seq>
+          </p:childTnLst>
+        </p:cTn>
       </p:par>
     </p:tnLst>
   </p:timing>
